--- a/Week 5 - Containers and Resource Management/Week_5_Slides.pptx
+++ b/Week 5 - Containers and Resource Management/Week_5_Slides.pptx
@@ -10,7 +10,7 @@
     <p:sldId id="258" r:id="rId9"/>
     <p:sldId id="259" r:id="rId10"/>
     <p:sldId id="260" r:id="rId11"/>
-    <p:sldId id="261" r:id="rId13"/>
+    <p:sldId id="261" r:id="rId12"/>
     <p:sldId id="262" r:id="rId14"/>
     <p:sldId id="263" r:id="rId15"/>
     <p:sldId id="264" r:id="rId16"/>
@@ -68,6 +68,7 @@
     <p:sldId id="316" r:id="rId68"/>
     <p:sldId id="317" r:id="rId69"/>
     <p:sldId id="318" r:id="rId70"/>
+    <p:sldId id="319" r:id="rId71"/>
   </p:sldIdLst>
   <p:sldSz cx="9144000" cy="6858000" type="screen4x3"/>
   <p:notesSz cx="6858000" cy="9144000"/>
@@ -8330,7 +8331,7 @@
               </a:defRPr>
             </a:pPr>
             <a:r>
-              <a:t>1.4. cgroup Controllers (Subsystems) (Part 1)</a:t>
+              <a:t>1.3. The cgroup Hierarchy</a:t>
             </a:r>
           </a:p>
         </p:txBody>
@@ -8371,7 +8372,7 @@
               </a:defRPr>
             </a:pPr>
             <a:r>
-              <a:t>This controller regulates access to CPU time.</a:t>
+              <a:t>Cgroups are organized in a tree-like hierarchy, similar to how processes form a process tree.</a:t>
             </a:r>
           </a:p>
           <a:p>
@@ -8389,11 +8390,7 @@
               </a:defRPr>
             </a:pPr>
             <a:r>
-              <a:t>Administrators can use several mechanisms to control CPU allocation:</a:t>
-            </a:r>
-            <a:br/>
-            <a:r>
-              <a:t>   - CPU Shares: A proportional weight system where containers with higher shares get more CPU time when there's contention.</a:t>
+              <a:t>Each cgroup can have child cgroups, and resource limits applied to a parent cgroup affect all its children.</a:t>
             </a:r>
           </a:p>
           <a:p>
@@ -8411,7 +8408,7 @@
               </a:defRPr>
             </a:pPr>
             <a:r>
-              <a:t>For example, if Container A has 1024 shares and Container B has 512 shares, Container A receives twice as much CPU time during periods of high demand.</a:t>
+              <a:t>This hierarchical structure enables sophisticated resource allocation strategies.</a:t>
             </a:r>
           </a:p>
           <a:p>
@@ -8429,25 +8426,7 @@
               </a:defRPr>
             </a:pPr>
             <a:r>
-              <a:t>- CPU Quota: An absolute hard limit on CPU usage over a period.</a:t>
-            </a:r>
-          </a:p>
-          <a:p>
-            <a:pPr>
-              <a:spcBef>
-                <a:spcPts val="800"/>
-              </a:spcBef>
-              <a:spcAft>
-                <a:spcPts val="800"/>
-              </a:spcAft>
-              <a:defRPr sz="2000">
-                <a:solidFill>
-                  <a:srgbClr val="FFFFFF"/>
-                </a:solidFill>
-              </a:defRPr>
-            </a:pPr>
-            <a:r>
-              <a:t>Setting a quota of 50000 microseconds per 100000 microsecond period limits the container to 50% of one CPU core.</a:t>
+              <a:t>For example, you might create a parent cgroup allocating 50% of CPU to "production workloads" and 50% to "development workloads," then subdivide those allocations further among individual containers.</a:t>
             </a:r>
           </a:p>
         </p:txBody>
@@ -8532,7 +8511,7 @@
               </a:defRPr>
             </a:pPr>
             <a:r>
-              <a:t>1.4. cgroup Controllers (Subsystems) (Part 2)</a:t>
+              <a:t>1.4. cgroup Controllers (Subsystems) (Part 1)</a:t>
             </a:r>
           </a:p>
         </p:txBody>
@@ -8573,11 +8552,7 @@
               </a:defRPr>
             </a:pPr>
             <a:r>
-              <a:t>This controller manages memory allocation and prevents containers from consuming excessive RAM:</a:t>
-            </a:r>
-            <a:br/>
-            <a:r>
-              <a:t>   - Memory Limit: Sets a hard cap on the amount of RAM a cgroup can use.</a:t>
+              <a:t>This controller regulates access to CPU time.</a:t>
             </a:r>
           </a:p>
           <a:p>
@@ -8595,7 +8570,11 @@
               </a:defRPr>
             </a:pPr>
             <a:r>
-              <a:t>When this limit is reached, the kernel may trigger the Out-Of-Memory (OOM) killer to terminate processes within the cgroup.</a:t>
+              <a:t>Administrators can use several mechanisms to control CPU allocation:</a:t>
+            </a:r>
+            <a:br/>
+            <a:r>
+              <a:t>   - CPU Shares: A proportional weight system where containers with higher shares get more CPU time when there's contention.</a:t>
             </a:r>
           </a:p>
           <a:p>
@@ -8613,7 +8592,7 @@
               </a:defRPr>
             </a:pPr>
             <a:r>
-              <a:t>- Memory Reservation: A soft limit that acts as a target.</a:t>
+              <a:t>For example, if Container A has 1024 shares and Container B has 512 shares, Container A receives twice as much CPU time during periods of high demand.</a:t>
             </a:r>
           </a:p>
           <a:p>
@@ -8631,7 +8610,7 @@
               </a:defRPr>
             </a:pPr>
             <a:r>
-              <a:t>The kernel will attempt to reclaim memory from the cgroup when system-wide memory pressure occurs.</a:t>
+              <a:t>- CPU Quota: An absolute hard limit on CPU usage over a period.</a:t>
             </a:r>
           </a:p>
           <a:p>
@@ -8649,7 +8628,7 @@
               </a:defRPr>
             </a:pPr>
             <a:r>
-              <a:t>- Swap Control: Determines whether the cgroup can use swap space and how much.</a:t>
+              <a:t>Setting a quota of 50000 microseconds per 100000 microsecond period limits the container to 50% of one CPU core.</a:t>
             </a:r>
           </a:p>
         </p:txBody>
@@ -8734,7 +8713,7 @@
               </a:defRPr>
             </a:pPr>
             <a:r>
-              <a:t>1.5. Practical cgroup Management</a:t>
+              <a:t>1.4. cgroup Controllers (Subsystems) (Part 2)</a:t>
             </a:r>
           </a:p>
         </p:txBody>
@@ -8775,7 +8754,11 @@
               </a:defRPr>
             </a:pPr>
             <a:r>
-              <a:t>On modern Linux systems, cgroups are typically managed through the systemd init system, which uses cgroups extensively for service management. However, understanding direct cgroup manipulation is valuable for troubleshooting and advanced container configurations.</a:t>
+              <a:t>This controller manages memory allocation and prevents containers from consuming excessive RAM:</a:t>
+            </a:r>
+            <a:br/>
+            <a:r>
+              <a:t>   - Memory Limit: Sets a hard cap on the amount of RAM a cgroup can use.</a:t>
             </a:r>
           </a:p>
           <a:p>
@@ -8793,7 +8776,61 @@
               </a:defRPr>
             </a:pPr>
             <a:r>
-              <a:t>The cgroup filesystem is typically mounted at /sys/fs/cgroup/. Each controller has its own subdirectory, and creating a new cgroup is as simple as creating a directory within that hierarchy.</a:t>
+              <a:t>When this limit is reached, the kernel may trigger the Out-Of-Memory (OOM) killer to terminate processes within the cgroup.</a:t>
+            </a:r>
+          </a:p>
+          <a:p>
+            <a:pPr>
+              <a:spcBef>
+                <a:spcPts val="800"/>
+              </a:spcBef>
+              <a:spcAft>
+                <a:spcPts val="800"/>
+              </a:spcAft>
+              <a:defRPr sz="2000">
+                <a:solidFill>
+                  <a:srgbClr val="FFFFFF"/>
+                </a:solidFill>
+              </a:defRPr>
+            </a:pPr>
+            <a:r>
+              <a:t>- Memory Reservation: A soft limit that acts as a target.</a:t>
+            </a:r>
+          </a:p>
+          <a:p>
+            <a:pPr>
+              <a:spcBef>
+                <a:spcPts val="800"/>
+              </a:spcBef>
+              <a:spcAft>
+                <a:spcPts val="800"/>
+              </a:spcAft>
+              <a:defRPr sz="2000">
+                <a:solidFill>
+                  <a:srgbClr val="FFFFFF"/>
+                </a:solidFill>
+              </a:defRPr>
+            </a:pPr>
+            <a:r>
+              <a:t>The kernel will attempt to reclaim memory from the cgroup when system-wide memory pressure occurs.</a:t>
+            </a:r>
+          </a:p>
+          <a:p>
+            <a:pPr>
+              <a:spcBef>
+                <a:spcPts val="800"/>
+              </a:spcBef>
+              <a:spcAft>
+                <a:spcPts val="800"/>
+              </a:spcAft>
+              <a:defRPr sz="2000">
+                <a:solidFill>
+                  <a:srgbClr val="FFFFFF"/>
+                </a:solidFill>
+              </a:defRPr>
+            </a:pPr>
+            <a:r>
+              <a:t>- Swap Control: Determines whether the cgroup can use swap space and how much.</a:t>
             </a:r>
           </a:p>
         </p:txBody>
@@ -8878,7 +8915,7 @@
               </a:defRPr>
             </a:pPr>
             <a:r>
-              <a:t>1.6. cgroups v1 vs v2</a:t>
+              <a:t>1.5. Practical cgroup Management</a:t>
             </a:r>
           </a:p>
         </p:txBody>
@@ -8919,7 +8956,7 @@
               </a:defRPr>
             </a:pPr>
             <a:r>
-              <a:t>The Linux kernel has two major versions of the cgroup implementation.</a:t>
+              <a:t>On modern Linux systems, cgroups are typically managed through the systemd init system, which uses cgroups extensively for service management. However, understanding direct cgroup manipulation is valuable for troubleshooting and advanced container configurations.</a:t>
             </a:r>
           </a:p>
           <a:p>
@@ -8937,25 +8974,7 @@
               </a:defRPr>
             </a:pPr>
             <a:r>
-              <a:t>cgroups v1 (the original implementation) allowed each controller to operate independently with separate hierarchies.</a:t>
-            </a:r>
-          </a:p>
-          <a:p>
-            <a:pPr>
-              <a:spcBef>
-                <a:spcPts val="800"/>
-              </a:spcBef>
-              <a:spcAft>
-                <a:spcPts val="800"/>
-              </a:spcAft>
-              <a:defRPr sz="2000">
-                <a:solidFill>
-                  <a:srgbClr val="FFFFFF"/>
-                </a:solidFill>
-              </a:defRPr>
-            </a:pPr>
-            <a:r>
-              <a:t>cgroups v2 (the modern unified hierarchy) consolidates all controllers into a single tree structure, simplifying management and improving consistency.</a:t>
+              <a:t>The cgroup filesystem is typically mounted at /sys/fs/cgroup/. Each controller has its own subdirectory, and creating a new cgroup is as simple as creating a directory within that hierarchy.</a:t>
             </a:r>
           </a:p>
         </p:txBody>
@@ -9040,7 +9059,7 @@
               </a:defRPr>
             </a:pPr>
             <a:r>
-              <a:t>1.7. How Container Runtimes Use cgroups</a:t>
+              <a:t>1.6. cgroups v1 vs v2</a:t>
             </a:r>
           </a:p>
         </p:txBody>
@@ -9081,7 +9100,43 @@
               </a:defRPr>
             </a:pPr>
             <a:r>
-              <a:t>When you run a container with resource limits, the container runtime (Docker, containerd, Podman, or LXC) performs these operations behind the scenes:</a:t>
+              <a:t>The Linux kernel has two major versions of the cgroup implementation.</a:t>
+            </a:r>
+          </a:p>
+          <a:p>
+            <a:pPr>
+              <a:spcBef>
+                <a:spcPts val="800"/>
+              </a:spcBef>
+              <a:spcAft>
+                <a:spcPts val="800"/>
+              </a:spcAft>
+              <a:defRPr sz="2000">
+                <a:solidFill>
+                  <a:srgbClr val="FFFFFF"/>
+                </a:solidFill>
+              </a:defRPr>
+            </a:pPr>
+            <a:r>
+              <a:t>cgroups v1 (the original implementation) allowed each controller to operate independently with separate hierarchies.</a:t>
+            </a:r>
+          </a:p>
+          <a:p>
+            <a:pPr>
+              <a:spcBef>
+                <a:spcPts val="800"/>
+              </a:spcBef>
+              <a:spcAft>
+                <a:spcPts val="800"/>
+              </a:spcAft>
+              <a:defRPr sz="2000">
+                <a:solidFill>
+                  <a:srgbClr val="FFFFFF"/>
+                </a:solidFill>
+              </a:defRPr>
+            </a:pPr>
+            <a:r>
+              <a:t>cgroups v2 (the modern unified hierarchy) consolidates all controllers into a single tree structure, simplifying management and improving consistency.</a:t>
             </a:r>
           </a:p>
         </p:txBody>
@@ -9166,7 +9221,7 @@
               </a:defRPr>
             </a:pPr>
             <a:r>
-              <a:t>1.8. Example: Docker and cgroups</a:t>
+              <a:t>1.7. How Container Runtimes Use cgroups</a:t>
             </a:r>
           </a:p>
         </p:txBody>
@@ -9207,61 +9262,7 @@
               </a:defRPr>
             </a:pPr>
             <a:r>
-              <a:t>When you run the following Docker command:</a:t>
-            </a:r>
-          </a:p>
-          <a:p>
-            <a:pPr>
-              <a:spcBef>
-                <a:spcPts val="800"/>
-              </a:spcBef>
-              <a:spcAft>
-                <a:spcPts val="800"/>
-              </a:spcAft>
-              <a:defRPr sz="2000">
-                <a:solidFill>
-                  <a:srgbClr val="FFFFFF"/>
-                </a:solidFill>
-              </a:defRPr>
-            </a:pPr>
-            <a:r>
-              <a:t>Docker creates a cgroup and configures it approximately like this:</a:t>
-            </a:r>
-          </a:p>
-          <a:p>
-            <a:pPr>
-              <a:spcBef>
-                <a:spcPts val="800"/>
-              </a:spcBef>
-              <a:spcAft>
-                <a:spcPts val="800"/>
-              </a:spcAft>
-              <a:defRPr sz="2000">
-                <a:solidFill>
-                  <a:srgbClr val="FFFFFF"/>
-                </a:solidFill>
-              </a:defRPr>
-            </a:pPr>
-            <a:r>
-              <a:t>You can inspect these settings directly:</a:t>
-            </a:r>
-          </a:p>
-          <a:p>
-            <a:pPr>
-              <a:spcBef>
-                <a:spcPts val="800"/>
-              </a:spcBef>
-              <a:spcAft>
-                <a:spcPts val="800"/>
-              </a:spcAft>
-              <a:defRPr sz="2000">
-                <a:solidFill>
-                  <a:srgbClr val="FFFFFF"/>
-                </a:solidFill>
-              </a:defRPr>
-            </a:pPr>
-            <a:r>
-              <a:t>Figure 2: Linux Namespaces and Cgroups - Namespaces provide isolation (PID, Network, Mount) while cgroups enforce resource limits (CPU, Memory)</a:t>
+              <a:t>When you run a container with resource limits, the container runtime (Docker, containerd, Podman, or LXC) performs these operations behind the scenes:</a:t>
             </a:r>
           </a:p>
         </p:txBody>
@@ -9346,7 +9347,7 @@
               </a:defRPr>
             </a:pPr>
             <a:r>
-              <a:t>1.9. Section 1 Checkpoint</a:t>
+              <a:t>1.8. Example: Docker and cgroups</a:t>
             </a:r>
           </a:p>
         </p:txBody>
@@ -9387,19 +9388,7 @@
               </a:defRPr>
             </a:pPr>
             <a:r>
-              <a:t>Summary:</a:t>
-            </a:r>
-            <a:br/>
-            <a:r>
-              <a:t>Namespaces: Provide isolation (Network, PID, Mount). The "Walls".</a:t>
-            </a:r>
-            <a:br/>
-            <a:r>
-              <a:t>Control Groups (cgroups): Provide resource limiting (CPU, RAM). The "Police".</a:t>
-            </a:r>
-            <a:br/>
-            <a:r>
-              <a:t>Containers share the Hot Kernel; VMs use their own Kernel.</a:t>
+              <a:t>When you run the following Docker command:</a:t>
             </a:r>
           </a:p>
           <a:p>
@@ -9417,11 +9406,7 @@
               </a:defRPr>
             </a:pPr>
             <a:r>
-              <a:t>Reflection:</a:t>
-            </a:r>
-            <a:br/>
-            <a:r>
-              <a:t>   If a container crashes the kernel, does the host crash? Why can't you run a Windows Container on a Linux Host (natively)?</a:t>
+              <a:t>Docker creates a cgroup and configures it approximately like this:</a:t>
             </a:r>
           </a:p>
           <a:p>
@@ -9439,11 +9424,25 @@
               </a:defRPr>
             </a:pPr>
             <a:r>
-              <a:t>Resources:</a:t>
-            </a:r>
-            <a:br/>
-            <a:r>
-              <a:t>Red Hat: What are Linux Namespaces?</a:t>
+              <a:t>You can inspect these settings directly:</a:t>
+            </a:r>
+          </a:p>
+          <a:p>
+            <a:pPr>
+              <a:spcBef>
+                <a:spcPts val="800"/>
+              </a:spcBef>
+              <a:spcAft>
+                <a:spcPts val="800"/>
+              </a:spcAft>
+              <a:defRPr sz="2000">
+                <a:solidFill>
+                  <a:srgbClr val="FFFFFF"/>
+                </a:solidFill>
+              </a:defRPr>
+            </a:pPr>
+            <a:r>
+              <a:t>Figure 2: Linux Namespaces and Cgroups - Namespaces provide isolation (PID, Network, Mount) while cgroups enforce resource limits (CPU, Memory)</a:t>
             </a:r>
           </a:p>
         </p:txBody>
@@ -9457,6 +9456,188 @@
 </file>
 
 <file path=ppt/slides/slide17.xml><?xml version="1.0" encoding="utf-8"?>
+<p:sld xmlns:a="http://schemas.openxmlformats.org/drawingml/2006/main" xmlns:p="http://schemas.openxmlformats.org/presentationml/2006/main" xmlns:r="http://schemas.openxmlformats.org/officeDocument/2006/relationships">
+  <p:cSld>
+    <p:bg>
+      <p:bgPr>
+        <a:solidFill>
+          <a:srgbClr val="142A46"/>
+        </a:solidFill>
+        <a:effectLst/>
+      </p:bgPr>
+    </p:bg>
+    <p:spTree>
+      <p:nvGrpSpPr>
+        <p:cNvPr id="1" name=""/>
+        <p:cNvGrpSpPr/>
+        <p:nvPr/>
+      </p:nvGrpSpPr>
+      <p:grpSpPr/>
+      <p:pic>
+        <p:nvPicPr>
+          <p:cNvPr id="2" name="Picture 1" descr="ops3_logo.png"/>
+          <p:cNvPicPr>
+            <a:picLocks noChangeAspect="1"/>
+          </p:cNvPicPr>
+          <p:nvPr/>
+        </p:nvPicPr>
+        <p:blipFill>
+          <a:blip r:embed="rId2"/>
+          <a:stretch>
+            <a:fillRect/>
+          </a:stretch>
+        </p:blipFill>
+        <p:spPr>
+          <a:xfrm>
+            <a:off x="274320" y="274320"/>
+            <a:ext cx="581649" cy="548640"/>
+          </a:xfrm>
+          <a:prstGeom prst="rect">
+            <a:avLst/>
+          </a:prstGeom>
+        </p:spPr>
+      </p:pic>
+      <p:sp>
+        <p:nvSpPr>
+          <p:cNvPr id="3" name="TextBox 2"/>
+          <p:cNvSpPr txBox="1"/>
+          <p:nvPr/>
+        </p:nvSpPr>
+        <p:spPr>
+          <a:xfrm>
+            <a:off x="457200" y="914400"/>
+            <a:ext cx="8229600" cy="640080"/>
+          </a:xfrm>
+          <a:prstGeom prst="rect">
+            <a:avLst/>
+          </a:prstGeom>
+          <a:noFill/>
+        </p:spPr>
+        <p:txBody>
+          <a:bodyPr wrap="none">
+            <a:spAutoFit/>
+          </a:bodyPr>
+          <a:lstStyle/>
+          <a:p>
+            <a:pPr>
+              <a:defRPr sz="3200" b="1">
+                <a:solidFill>
+                  <a:srgbClr val="C9984A"/>
+                </a:solidFill>
+              </a:defRPr>
+            </a:pPr>
+            <a:r>
+              <a:t>1.9. Section 1 Checkpoint</a:t>
+            </a:r>
+          </a:p>
+        </p:txBody>
+      </p:sp>
+      <p:sp>
+        <p:nvSpPr>
+          <p:cNvPr id="4" name="TextBox 3"/>
+          <p:cNvSpPr txBox="1"/>
+          <p:nvPr/>
+        </p:nvSpPr>
+        <p:spPr>
+          <a:xfrm>
+            <a:off x="731520" y="1737360"/>
+            <a:ext cx="7680960" cy="4389120"/>
+          </a:xfrm>
+          <a:prstGeom prst="rect">
+            <a:avLst/>
+          </a:prstGeom>
+          <a:noFill/>
+        </p:spPr>
+        <p:txBody>
+          <a:bodyPr wrap="square">
+            <a:spAutoFit/>
+          </a:bodyPr>
+          <a:lstStyle/>
+          <a:p>
+            <a:pPr>
+              <a:spcBef>
+                <a:spcPts val="800"/>
+              </a:spcBef>
+              <a:spcAft>
+                <a:spcPts val="800"/>
+              </a:spcAft>
+              <a:defRPr sz="2000">
+                <a:solidFill>
+                  <a:srgbClr val="FFFFFF"/>
+                </a:solidFill>
+              </a:defRPr>
+            </a:pPr>
+            <a:r>
+              <a:t>Summary:</a:t>
+            </a:r>
+            <a:br/>
+            <a:r>
+              <a:t>Namespaces: Provide isolation (Network, PID, Mount). The "Walls".</a:t>
+            </a:r>
+            <a:br/>
+            <a:r>
+              <a:t>Control Groups (cgroups): Provide resource limiting (CPU, RAM). The "Police".</a:t>
+            </a:r>
+            <a:br/>
+            <a:r>
+              <a:t>Containers share the Hot Kernel; VMs use their own Kernel.</a:t>
+            </a:r>
+          </a:p>
+          <a:p>
+            <a:pPr>
+              <a:spcBef>
+                <a:spcPts val="800"/>
+              </a:spcBef>
+              <a:spcAft>
+                <a:spcPts val="800"/>
+              </a:spcAft>
+              <a:defRPr sz="2000">
+                <a:solidFill>
+                  <a:srgbClr val="FFFFFF"/>
+                </a:solidFill>
+              </a:defRPr>
+            </a:pPr>
+            <a:r>
+              <a:t>Reflection:</a:t>
+            </a:r>
+            <a:br/>
+            <a:r>
+              <a:t>   If a container crashes the kernel, does the host crash? Why can't you run a Windows Container on a Linux Host (natively)?</a:t>
+            </a:r>
+          </a:p>
+          <a:p>
+            <a:pPr>
+              <a:spcBef>
+                <a:spcPts val="800"/>
+              </a:spcBef>
+              <a:spcAft>
+                <a:spcPts val="800"/>
+              </a:spcAft>
+              <a:defRPr sz="2000">
+                <a:solidFill>
+                  <a:srgbClr val="FFFFFF"/>
+                </a:solidFill>
+              </a:defRPr>
+            </a:pPr>
+            <a:r>
+              <a:t>Resources:</a:t>
+            </a:r>
+            <a:br/>
+            <a:r>
+              <a:t>Red Hat: What are Linux Namespaces?</a:t>
+            </a:r>
+          </a:p>
+        </p:txBody>
+      </p:sp>
+    </p:spTree>
+  </p:cSld>
+  <p:clrMapOvr>
+    <a:masterClrMapping/>
+  </p:clrMapOvr>
+</p:sld>
+</file>
+
+<file path=ppt/slides/slide18.xml><?xml version="1.0" encoding="utf-8"?>
 <p:sld xmlns:a="http://schemas.openxmlformats.org/drawingml/2006/main" xmlns:p="http://schemas.openxmlformats.org/presentationml/2006/main" xmlns:r="http://schemas.openxmlformats.org/officeDocument/2006/relationships">
   <p:cSld>
     <p:bg>
@@ -9529,186 +9710,6 @@
             </a:pPr>
             <a:r>
               <a:t>2. The Container Technologies Landscape</a:t>
-            </a:r>
-          </a:p>
-        </p:txBody>
-      </p:sp>
-    </p:spTree>
-  </p:cSld>
-  <p:clrMapOvr>
-    <a:masterClrMapping/>
-  </p:clrMapOvr>
-</p:sld>
-</file>
-
-<file path=ppt/slides/slide18.xml><?xml version="1.0" encoding="utf-8"?>
-<p:sld xmlns:a="http://schemas.openxmlformats.org/drawingml/2006/main" xmlns:p="http://schemas.openxmlformats.org/presentationml/2006/main" xmlns:r="http://schemas.openxmlformats.org/officeDocument/2006/relationships">
-  <p:cSld>
-    <p:bg>
-      <p:bgPr>
-        <a:solidFill>
-          <a:srgbClr val="142A46"/>
-        </a:solidFill>
-        <a:effectLst/>
-      </p:bgPr>
-    </p:bg>
-    <p:spTree>
-      <p:nvGrpSpPr>
-        <p:cNvPr id="1" name=""/>
-        <p:cNvGrpSpPr/>
-        <p:nvPr/>
-      </p:nvGrpSpPr>
-      <p:grpSpPr/>
-      <p:pic>
-        <p:nvPicPr>
-          <p:cNvPr id="2" name="Picture 1" descr="ops3_logo.png"/>
-          <p:cNvPicPr>
-            <a:picLocks noChangeAspect="1"/>
-          </p:cNvPicPr>
-          <p:nvPr/>
-        </p:nvPicPr>
-        <p:blipFill>
-          <a:blip r:embed="rId2"/>
-          <a:stretch>
-            <a:fillRect/>
-          </a:stretch>
-        </p:blipFill>
-        <p:spPr>
-          <a:xfrm>
-            <a:off x="274320" y="274320"/>
-            <a:ext cx="581649" cy="548640"/>
-          </a:xfrm>
-          <a:prstGeom prst="rect">
-            <a:avLst/>
-          </a:prstGeom>
-        </p:spPr>
-      </p:pic>
-      <p:sp>
-        <p:nvSpPr>
-          <p:cNvPr id="3" name="TextBox 2"/>
-          <p:cNvSpPr txBox="1"/>
-          <p:nvPr/>
-        </p:nvSpPr>
-        <p:spPr>
-          <a:xfrm>
-            <a:off x="457200" y="914400"/>
-            <a:ext cx="8229600" cy="640080"/>
-          </a:xfrm>
-          <a:prstGeom prst="rect">
-            <a:avLst/>
-          </a:prstGeom>
-          <a:noFill/>
-        </p:spPr>
-        <p:txBody>
-          <a:bodyPr wrap="none">
-            <a:spAutoFit/>
-          </a:bodyPr>
-          <a:lstStyle/>
-          <a:p>
-            <a:pPr>
-              <a:defRPr sz="3200" b="1">
-                <a:solidFill>
-                  <a:srgbClr val="C9984A"/>
-                </a:solidFill>
-              </a:defRPr>
-            </a:pPr>
-            <a:r>
-              <a:t>2.1. LXC (Linux Containers)</a:t>
-            </a:r>
-          </a:p>
-        </p:txBody>
-      </p:sp>
-      <p:sp>
-        <p:nvSpPr>
-          <p:cNvPr id="4" name="TextBox 3"/>
-          <p:cNvSpPr txBox="1"/>
-          <p:nvPr/>
-        </p:nvSpPr>
-        <p:spPr>
-          <a:xfrm>
-            <a:off x="731520" y="1737360"/>
-            <a:ext cx="7680960" cy="4389120"/>
-          </a:xfrm>
-          <a:prstGeom prst="rect">
-            <a:avLst/>
-          </a:prstGeom>
-          <a:noFill/>
-        </p:spPr>
-        <p:txBody>
-          <a:bodyPr wrap="square">
-            <a:spAutoFit/>
-          </a:bodyPr>
-          <a:lstStyle/>
-          <a:p>
-            <a:pPr>
-              <a:spcBef>
-                <a:spcPts val="800"/>
-              </a:spcBef>
-              <a:spcAft>
-                <a:spcPts val="800"/>
-              </a:spcAft>
-              <a:defRPr sz="2000">
-                <a:solidFill>
-                  <a:srgbClr val="FFFFFF"/>
-                </a:solidFill>
-              </a:defRPr>
-            </a:pPr>
-            <a:r>
-              <a:t>LXC provides System Containers.</a:t>
-            </a:r>
-          </a:p>
-          <a:p>
-            <a:pPr>
-              <a:spcBef>
-                <a:spcPts val="800"/>
-              </a:spcBef>
-              <a:spcAft>
-                <a:spcPts val="800"/>
-              </a:spcAft>
-              <a:defRPr sz="2000">
-                <a:solidFill>
-                  <a:srgbClr val="FFFFFF"/>
-                </a:solidFill>
-              </a:defRPr>
-            </a:pPr>
-            <a:r>
-              <a:t>The philosophy behind LXC is to offer a lightweight virtual machine experience without the overhead of hardware emulation.</a:t>
-            </a:r>
-          </a:p>
-          <a:p>
-            <a:pPr>
-              <a:spcBef>
-                <a:spcPts val="800"/>
-              </a:spcBef>
-              <a:spcAft>
-                <a:spcPts val="800"/>
-              </a:spcAft>
-              <a:defRPr sz="2000">
-                <a:solidFill>
-                  <a:srgbClr val="FFFFFF"/>
-                </a:solidFill>
-              </a:defRPr>
-            </a:pPr>
-            <a:r>
-              <a:t>An LXC container boots a full init system (like systemd), runs multiple services (SSH, Cron, Syslog), and persists data like a traditional server.</a:t>
-            </a:r>
-          </a:p>
-          <a:p>
-            <a:pPr>
-              <a:spcBef>
-                <a:spcPts val="800"/>
-              </a:spcBef>
-              <a:spcAft>
-                <a:spcPts val="800"/>
-              </a:spcAft>
-              <a:defRPr sz="2000">
-                <a:solidFill>
-                  <a:srgbClr val="FFFFFF"/>
-                </a:solidFill>
-              </a:defRPr>
-            </a:pPr>
-            <a:r>
-              <a:t>It is ideal for infrastructure consolidation where you require long-running servers but want the density and efficiency of containers.</a:t>
             </a:r>
           </a:p>
         </p:txBody>
@@ -9793,7 +9794,7 @@
               </a:defRPr>
             </a:pPr>
             <a:r>
-              <a:t>2.2. Docker</a:t>
+              <a:t>2.1. LXC (Linux Containers)</a:t>
             </a:r>
           </a:p>
         </p:txBody>
@@ -9834,7 +9835,7 @@
               </a:defRPr>
             </a:pPr>
             <a:r>
-              <a:t>Docker popularized Application Containers.</a:t>
+              <a:t>LXC provides System Containers.</a:t>
             </a:r>
           </a:p>
           <a:p>
@@ -9852,7 +9853,7 @@
               </a:defRPr>
             </a:pPr>
             <a:r>
-              <a:t>Unlike LXC, Docker allows you to package an application and its dependencies into a single runnable unit.</a:t>
+              <a:t>The philosophy behind LXC is to offer a lightweight virtual machine experience without the overhead of hardware emulation.</a:t>
             </a:r>
           </a:p>
           <a:p>
@@ -9870,7 +9871,7 @@
               </a:defRPr>
             </a:pPr>
             <a:r>
-              <a:t>A Docker container typically runs a single process (such as Nginx or Python) and is ephemeral in nature.</a:t>
+              <a:t>An LXC container boots a full init system (like systemd), runs multiple services (SSH, Cron, Syslog), and persists data like a traditional server.</a:t>
             </a:r>
           </a:p>
           <a:p>
@@ -9888,25 +9889,7 @@
               </a:defRPr>
             </a:pPr>
             <a:r>
-              <a:t>Data is stored in external volumes, and the container itself can be destroyed and recreated easily.</a:t>
-            </a:r>
-          </a:p>
-          <a:p>
-            <a:pPr>
-              <a:spcBef>
-                <a:spcPts val="800"/>
-              </a:spcBef>
-              <a:spcAft>
-                <a:spcPts val="800"/>
-              </a:spcAft>
-              <a:defRPr sz="2000">
-                <a:solidFill>
-                  <a:srgbClr val="FFFFFF"/>
-                </a:solidFill>
-              </a:defRPr>
-            </a:pPr>
-            <a:r>
-              <a:t>Docker is the standard for microservices and modern software delivery.</a:t>
+              <a:t>It is ideal for infrastructure consolidation where you require long-running servers but want the density and efficiency of containers.</a:t>
             </a:r>
           </a:p>
         </p:txBody>
@@ -9925,7 +9908,7 @@
     <p:bg>
       <p:bgPr>
         <a:solidFill>
-          <a:srgbClr val="1E3A5F"/>
+          <a:srgbClr val="142A46"/>
         </a:solidFill>
         <a:effectLst/>
       </p:bgPr>
@@ -9969,8 +9952,43 @@
         </p:nvSpPr>
         <p:spPr>
           <a:xfrm>
-            <a:off x="914400" y="2286000"/>
-            <a:ext cx="7315200" cy="1828800"/>
+            <a:off x="457200" y="914400"/>
+            <a:ext cx="8229600" cy="640080"/>
+          </a:xfrm>
+          <a:prstGeom prst="rect">
+            <a:avLst/>
+          </a:prstGeom>
+          <a:noFill/>
+        </p:spPr>
+        <p:txBody>
+          <a:bodyPr wrap="none">
+            <a:spAutoFit/>
+          </a:bodyPr>
+          <a:lstStyle/>
+          <a:p>
+            <a:pPr>
+              <a:defRPr sz="3600" b="1">
+                <a:solidFill>
+                  <a:srgbClr val="C9984A"/>
+                </a:solidFill>
+              </a:defRPr>
+            </a:pPr>
+            <a:r>
+              <a:t>What You Will Learn This Week</a:t>
+            </a:r>
+          </a:p>
+        </p:txBody>
+      </p:sp>
+      <p:sp>
+        <p:nvSpPr>
+          <p:cNvPr id="4" name="TextBox 3"/>
+          <p:cNvSpPr txBox="1"/>
+          <p:nvPr/>
+        </p:nvSpPr>
+        <p:spPr>
+          <a:xfrm>
+            <a:off x="1097280" y="2011680"/>
+            <a:ext cx="6949440" cy="4114800"/>
           </a:xfrm>
           <a:prstGeom prst="rect">
             <a:avLst/>
@@ -9983,15 +10001,111 @@
           </a:bodyPr>
           <a:lstStyle/>
           <a:p>
-            <a:pPr algn="ctr">
-              <a:defRPr sz="4800" b="1">
-                <a:solidFill>
-                  <a:srgbClr val="C9984A"/>
-                </a:solidFill>
-              </a:defRPr>
-            </a:pPr>
-            <a:r>
-              <a:t>Welcome to Week 5!</a:t>
+            <a:pPr>
+              <a:spcBef>
+                <a:spcPts val="1000"/>
+              </a:spcBef>
+              <a:spcAft>
+                <a:spcPts val="1000"/>
+              </a:spcAft>
+              <a:defRPr sz="2200">
+                <a:solidFill>
+                  <a:srgbClr val="FFFFFF"/>
+                </a:solidFill>
+              </a:defRPr>
+            </a:pPr>
+            <a:r>
+              <a:t>Understand welcome to week 5!</a:t>
+            </a:r>
+          </a:p>
+          <a:p>
+            <a:pPr>
+              <a:spcBef>
+                <a:spcPts val="1000"/>
+              </a:spcBef>
+              <a:spcAft>
+                <a:spcPts val="1000"/>
+              </a:spcAft>
+              <a:defRPr sz="2200">
+                <a:solidFill>
+                  <a:srgbClr val="FFFFFF"/>
+                </a:solidFill>
+              </a:defRPr>
+            </a:pPr>
+            <a:r>
+              <a:t>Understand what you'll learn this week</a:t>
+            </a:r>
+          </a:p>
+          <a:p>
+            <a:pPr>
+              <a:spcBef>
+                <a:spcPts val="1000"/>
+              </a:spcBef>
+              <a:spcAft>
+                <a:spcPts val="1000"/>
+              </a:spcAft>
+              <a:defRPr sz="2200">
+                <a:solidFill>
+                  <a:srgbClr val="FFFFFF"/>
+                </a:solidFill>
+              </a:defRPr>
+            </a:pPr>
+            <a:r>
+              <a:t>Understand 1. the container paradigm</a:t>
+            </a:r>
+          </a:p>
+          <a:p>
+            <a:pPr>
+              <a:spcBef>
+                <a:spcPts val="1000"/>
+              </a:spcBef>
+              <a:spcAft>
+                <a:spcPts val="1000"/>
+              </a:spcAft>
+              <a:defRPr sz="2200">
+                <a:solidFill>
+                  <a:srgbClr val="FFFFFF"/>
+                </a:solidFill>
+              </a:defRPr>
+            </a:pPr>
+            <a:r>
+              <a:t>Understand 2. the container technologies landscape</a:t>
+            </a:r>
+          </a:p>
+          <a:p>
+            <a:pPr>
+              <a:spcBef>
+                <a:spcPts val="1000"/>
+              </a:spcBef>
+              <a:spcAft>
+                <a:spcPts val="1000"/>
+              </a:spcAft>
+              <a:defRPr sz="2200">
+                <a:solidFill>
+                  <a:srgbClr val="FFFFFF"/>
+                </a:solidFill>
+              </a:defRPr>
+            </a:pPr>
+            <a:r>
+              <a:t>Understand 3. working with system containers (lxc cli)</a:t>
+            </a:r>
+          </a:p>
+          <a:p>
+            <a:pPr>
+              <a:spcBef>
+                <a:spcPts val="1000"/>
+              </a:spcBef>
+              <a:spcAft>
+                <a:spcPts val="1000"/>
+              </a:spcAft>
+              <a:defRPr sz="2200">
+                <a:solidFill>
+                  <a:srgbClr val="FFFFFF"/>
+                </a:solidFill>
+              </a:defRPr>
+            </a:pPr>
+            <a:r>
+              <a:t>Understand 4. lxc in proxmox ve (gui workflow)</a:t>
             </a:r>
           </a:p>
         </p:txBody>
@@ -10076,7 +10190,7 @@
               </a:defRPr>
             </a:pPr>
             <a:r>
-              <a:t>2.3. Podman</a:t>
+              <a:t>2.2. Docker</a:t>
             </a:r>
           </a:p>
         </p:txBody>
@@ -10117,7 +10231,7 @@
               </a:defRPr>
             </a:pPr>
             <a:r>
-              <a:t>Podman is a modern alternative to Docker, developed by Red Hat.</a:t>
+              <a:t>Docker popularized Application Containers.</a:t>
             </a:r>
           </a:p>
           <a:p>
@@ -10135,7 +10249,7 @@
               </a:defRPr>
             </a:pPr>
             <a:r>
-              <a:t>It maintains compatibility with Docker's commands and image format (OCI) but differs significantly in architecture.</a:t>
+              <a:t>Unlike LXC, Docker allows you to package an application and its dependencies into a single runnable unit.</a:t>
             </a:r>
           </a:p>
           <a:p>
@@ -10153,7 +10267,7 @@
               </a:defRPr>
             </a:pPr>
             <a:r>
-              <a:t>Podman is daemonless; it does not require a background service running as root.</a:t>
+              <a:t>A Docker container typically runs a single process (such as Nginx or Python) and is ephemeral in nature.</a:t>
             </a:r>
           </a:p>
           <a:p>
@@ -10171,7 +10285,7 @@
               </a:defRPr>
             </a:pPr>
             <a:r>
-              <a:t>Instead, it starts containers directly as child processes of the user.</a:t>
+              <a:t>Data is stored in external volumes, and the container itself can be destroyed and recreated easily.</a:t>
             </a:r>
           </a:p>
           <a:p>
@@ -10189,7 +10303,7 @@
               </a:defRPr>
             </a:pPr>
             <a:r>
-              <a:t>This architecture enhances security and natively supports "rootless" containers, allowing unprivileged users to run containers safely.</a:t>
+              <a:t>Docker is the standard for microservices and modern software delivery.</a:t>
             </a:r>
           </a:p>
         </p:txBody>
@@ -10274,7 +10388,7 @@
               </a:defRPr>
             </a:pPr>
             <a:r>
-              <a:t>2.4. Apptainer (formerly Singularity)</a:t>
+              <a:t>2.3. Podman</a:t>
             </a:r>
           </a:p>
         </p:txBody>
@@ -10315,7 +10429,7 @@
               </a:defRPr>
             </a:pPr>
             <a:r>
-              <a:t>Apptainer is designed specifically for High Performance Computing (HPC) and research environments.</a:t>
+              <a:t>Podman is a modern alternative to Docker, developed by Red Hat.</a:t>
             </a:r>
           </a:p>
           <a:p>
@@ -10333,7 +10447,7 @@
               </a:defRPr>
             </a:pPr>
             <a:r>
-              <a:t>In these environments, users run jobs on shared clusters where they do not have root access.</a:t>
+              <a:t>It maintains compatibility with Docker's commands and image format (OCI) but differs significantly in architecture.</a:t>
             </a:r>
           </a:p>
           <a:p>
@@ -10351,7 +10465,7 @@
               </a:defRPr>
             </a:pPr>
             <a:r>
-              <a:t>Apptainer accommodates this by encapsulating the entire environment into a single file (.sif) and running it with the user's existing privileges.</a:t>
+              <a:t>Podman is daemonless; it does not require a background service running as root.</a:t>
             </a:r>
           </a:p>
           <a:p>
@@ -10369,7 +10483,25 @@
               </a:defRPr>
             </a:pPr>
             <a:r>
-              <a:t>It prioritizes mobility of compute and integration with batch schedulers like Slurm.</a:t>
+              <a:t>Instead, it starts containers directly as child processes of the user.</a:t>
+            </a:r>
+          </a:p>
+          <a:p>
+            <a:pPr>
+              <a:spcBef>
+                <a:spcPts val="800"/>
+              </a:spcBef>
+              <a:spcAft>
+                <a:spcPts val="800"/>
+              </a:spcAft>
+              <a:defRPr sz="2000">
+                <a:solidFill>
+                  <a:srgbClr val="FFFFFF"/>
+                </a:solidFill>
+              </a:defRPr>
+            </a:pPr>
+            <a:r>
+              <a:t>This architecture enhances security and natively supports "rootless" containers, allowing unprivileged users to run containers safely.</a:t>
             </a:r>
           </a:p>
         </p:txBody>
@@ -10454,7 +10586,7 @@
               </a:defRPr>
             </a:pPr>
             <a:r>
-              <a:t>2.5. Comparison Table</a:t>
+              <a:t>2.4. Apptainer (formerly Singularity)</a:t>
             </a:r>
           </a:p>
         </p:txBody>
@@ -10495,7 +10627,61 @@
               </a:defRPr>
             </a:pPr>
             <a:r>
-              <a:t>Figure 3: Container Technologies Landscape - LXC for system containers, Docker for application containers, Podman for secure daemonless containers, Apptainer for HPC workloads</a:t>
+              <a:t>Apptainer is designed specifically for High Performance Computing (HPC) and research environments.</a:t>
+            </a:r>
+          </a:p>
+          <a:p>
+            <a:pPr>
+              <a:spcBef>
+                <a:spcPts val="800"/>
+              </a:spcBef>
+              <a:spcAft>
+                <a:spcPts val="800"/>
+              </a:spcAft>
+              <a:defRPr sz="2000">
+                <a:solidFill>
+                  <a:srgbClr val="FFFFFF"/>
+                </a:solidFill>
+              </a:defRPr>
+            </a:pPr>
+            <a:r>
+              <a:t>In these environments, users run jobs on shared clusters where they do not have root access.</a:t>
+            </a:r>
+          </a:p>
+          <a:p>
+            <a:pPr>
+              <a:spcBef>
+                <a:spcPts val="800"/>
+              </a:spcBef>
+              <a:spcAft>
+                <a:spcPts val="800"/>
+              </a:spcAft>
+              <a:defRPr sz="2000">
+                <a:solidFill>
+                  <a:srgbClr val="FFFFFF"/>
+                </a:solidFill>
+              </a:defRPr>
+            </a:pPr>
+            <a:r>
+              <a:t>Apptainer accommodates this by encapsulating the entire environment into a single file (.sif) and running it with the user's existing privileges.</a:t>
+            </a:r>
+          </a:p>
+          <a:p>
+            <a:pPr>
+              <a:spcBef>
+                <a:spcPts val="800"/>
+              </a:spcBef>
+              <a:spcAft>
+                <a:spcPts val="800"/>
+              </a:spcAft>
+              <a:defRPr sz="2000">
+                <a:solidFill>
+                  <a:srgbClr val="FFFFFF"/>
+                </a:solidFill>
+              </a:defRPr>
+            </a:pPr>
+            <a:r>
+              <a:t>It prioritizes mobility of compute and integration with batch schedulers like Slurm.</a:t>
             </a:r>
           </a:p>
         </p:txBody>
@@ -10580,7 +10766,7 @@
               </a:defRPr>
             </a:pPr>
             <a:r>
-              <a:t>2.6. Section 2 Checkpoint (Part 1)</a:t>
+              <a:t>2.5. Comparison Table</a:t>
             </a:r>
           </a:p>
         </p:txBody>
@@ -10621,79 +10807,7 @@
               </a:defRPr>
             </a:pPr>
             <a:r>
-              <a:t>LXC: System Containers (OS-like, persistent). Used for VPS/Infrastructure.</a:t>
-            </a:r>
-          </a:p>
-          <a:p>
-            <a:pPr>
-              <a:spcBef>
-                <a:spcPts val="800"/>
-              </a:spcBef>
-              <a:spcAft>
-                <a:spcPts val="800"/>
-              </a:spcAft>
-              <a:defRPr sz="2000">
-                <a:solidFill>
-                  <a:srgbClr val="FFFFFF"/>
-                </a:solidFill>
-              </a:defRPr>
-            </a:pPr>
-            <a:r>
-              <a:t>Docker: Application Containers (Single process, ephemeral). Used for Dev/Microservices.</a:t>
-            </a:r>
-          </a:p>
-          <a:p>
-            <a:pPr>
-              <a:spcBef>
-                <a:spcPts val="800"/>
-              </a:spcBef>
-              <a:spcAft>
-                <a:spcPts val="800"/>
-              </a:spcAft>
-              <a:defRPr sz="2000">
-                <a:solidFill>
-                  <a:srgbClr val="FFFFFF"/>
-                </a:solidFill>
-              </a:defRPr>
-            </a:pPr>
-            <a:r>
-              <a:t>Podman: Daemonless, secure alternative to Docker.</a:t>
-            </a:r>
-          </a:p>
-          <a:p>
-            <a:pPr>
-              <a:spcBef>
-                <a:spcPts val="800"/>
-              </a:spcBef>
-              <a:spcAft>
-                <a:spcPts val="800"/>
-              </a:spcAft>
-              <a:defRPr sz="2000">
-                <a:solidFill>
-                  <a:srgbClr val="FFFFFF"/>
-                </a:solidFill>
-              </a:defRPr>
-            </a:pPr>
-            <a:r>
-              <a:t>Why is "Daemonless" considered a security feature?</a:t>
-            </a:r>
-          </a:p>
-          <a:p>
-            <a:pPr>
-              <a:spcBef>
-                <a:spcPts val="800"/>
-              </a:spcBef>
-              <a:spcAft>
-                <a:spcPts val="800"/>
-              </a:spcAft>
-              <a:defRPr sz="2000">
-                <a:solidFill>
-                  <a:srgbClr val="FFFFFF"/>
-                </a:solidFill>
-              </a:defRPr>
-            </a:pPr>
-            <a:r>
-              <a:t>Which technology would you use to host a permanent MySQL server: LXC or Docker?</a:t>
+              <a:t>Figure 3: Container Technologies Landscape - LXC for system containers, Docker for application containers, Podman for secure daemonless containers, Apptainer for HPC workloads</a:t>
             </a:r>
           </a:p>
         </p:txBody>
@@ -10778,7 +10892,7 @@
               </a:defRPr>
             </a:pPr>
             <a:r>
-              <a:t>2.6. Section 2 Checkpoint (Part 2)</a:t>
+              <a:t>2.6. Section 2 Checkpoint (Part 1)</a:t>
             </a:r>
           </a:p>
         </p:txBody>
@@ -10819,7 +10933,79 @@
               </a:defRPr>
             </a:pPr>
             <a:r>
-              <a:t>Open Container Initiative (OCI)</a:t>
+              <a:t>LXC: System Containers (OS-like, persistent). Used for VPS/Infrastructure.</a:t>
+            </a:r>
+          </a:p>
+          <a:p>
+            <a:pPr>
+              <a:spcBef>
+                <a:spcPts val="800"/>
+              </a:spcBef>
+              <a:spcAft>
+                <a:spcPts val="800"/>
+              </a:spcAft>
+              <a:defRPr sz="2000">
+                <a:solidFill>
+                  <a:srgbClr val="FFFFFF"/>
+                </a:solidFill>
+              </a:defRPr>
+            </a:pPr>
+            <a:r>
+              <a:t>Docker: Application Containers (Single process, ephemeral). Used for Dev/Microservices.</a:t>
+            </a:r>
+          </a:p>
+          <a:p>
+            <a:pPr>
+              <a:spcBef>
+                <a:spcPts val="800"/>
+              </a:spcBef>
+              <a:spcAft>
+                <a:spcPts val="800"/>
+              </a:spcAft>
+              <a:defRPr sz="2000">
+                <a:solidFill>
+                  <a:srgbClr val="FFFFFF"/>
+                </a:solidFill>
+              </a:defRPr>
+            </a:pPr>
+            <a:r>
+              <a:t>Podman: Daemonless, secure alternative to Docker.</a:t>
+            </a:r>
+          </a:p>
+          <a:p>
+            <a:pPr>
+              <a:spcBef>
+                <a:spcPts val="800"/>
+              </a:spcBef>
+              <a:spcAft>
+                <a:spcPts val="800"/>
+              </a:spcAft>
+              <a:defRPr sz="2000">
+                <a:solidFill>
+                  <a:srgbClr val="FFFFFF"/>
+                </a:solidFill>
+              </a:defRPr>
+            </a:pPr>
+            <a:r>
+              <a:t>Why is "Daemonless" considered a security feature?</a:t>
+            </a:r>
+          </a:p>
+          <a:p>
+            <a:pPr>
+              <a:spcBef>
+                <a:spcPts val="800"/>
+              </a:spcBef>
+              <a:spcAft>
+                <a:spcPts val="800"/>
+              </a:spcAft>
+              <a:defRPr sz="2000">
+                <a:solidFill>
+                  <a:srgbClr val="FFFFFF"/>
+                </a:solidFill>
+              </a:defRPr>
+            </a:pPr>
+            <a:r>
+              <a:t>Which technology would you use to host a permanent MySQL server: LXC or Docker?</a:t>
             </a:r>
           </a:p>
         </p:txBody>
@@ -10833,6 +11019,132 @@
 </file>
 
 <file path=ppt/slides/slide25.xml><?xml version="1.0" encoding="utf-8"?>
+<p:sld xmlns:a="http://schemas.openxmlformats.org/drawingml/2006/main" xmlns:p="http://schemas.openxmlformats.org/presentationml/2006/main" xmlns:r="http://schemas.openxmlformats.org/officeDocument/2006/relationships">
+  <p:cSld>
+    <p:bg>
+      <p:bgPr>
+        <a:solidFill>
+          <a:srgbClr val="142A46"/>
+        </a:solidFill>
+        <a:effectLst/>
+      </p:bgPr>
+    </p:bg>
+    <p:spTree>
+      <p:nvGrpSpPr>
+        <p:cNvPr id="1" name=""/>
+        <p:cNvGrpSpPr/>
+        <p:nvPr/>
+      </p:nvGrpSpPr>
+      <p:grpSpPr/>
+      <p:pic>
+        <p:nvPicPr>
+          <p:cNvPr id="2" name="Picture 1" descr="ops3_logo.png"/>
+          <p:cNvPicPr>
+            <a:picLocks noChangeAspect="1"/>
+          </p:cNvPicPr>
+          <p:nvPr/>
+        </p:nvPicPr>
+        <p:blipFill>
+          <a:blip r:embed="rId2"/>
+          <a:stretch>
+            <a:fillRect/>
+          </a:stretch>
+        </p:blipFill>
+        <p:spPr>
+          <a:xfrm>
+            <a:off x="274320" y="274320"/>
+            <a:ext cx="581649" cy="548640"/>
+          </a:xfrm>
+          <a:prstGeom prst="rect">
+            <a:avLst/>
+          </a:prstGeom>
+        </p:spPr>
+      </p:pic>
+      <p:sp>
+        <p:nvSpPr>
+          <p:cNvPr id="3" name="TextBox 2"/>
+          <p:cNvSpPr txBox="1"/>
+          <p:nvPr/>
+        </p:nvSpPr>
+        <p:spPr>
+          <a:xfrm>
+            <a:off x="457200" y="914400"/>
+            <a:ext cx="8229600" cy="640080"/>
+          </a:xfrm>
+          <a:prstGeom prst="rect">
+            <a:avLst/>
+          </a:prstGeom>
+          <a:noFill/>
+        </p:spPr>
+        <p:txBody>
+          <a:bodyPr wrap="none">
+            <a:spAutoFit/>
+          </a:bodyPr>
+          <a:lstStyle/>
+          <a:p>
+            <a:pPr>
+              <a:defRPr sz="3200" b="1">
+                <a:solidFill>
+                  <a:srgbClr val="C9984A"/>
+                </a:solidFill>
+              </a:defRPr>
+            </a:pPr>
+            <a:r>
+              <a:t>2.6. Section 2 Checkpoint (Part 2)</a:t>
+            </a:r>
+          </a:p>
+        </p:txBody>
+      </p:sp>
+      <p:sp>
+        <p:nvSpPr>
+          <p:cNvPr id="4" name="TextBox 3"/>
+          <p:cNvSpPr txBox="1"/>
+          <p:nvPr/>
+        </p:nvSpPr>
+        <p:spPr>
+          <a:xfrm>
+            <a:off x="731520" y="1737360"/>
+            <a:ext cx="7680960" cy="4389120"/>
+          </a:xfrm>
+          <a:prstGeom prst="rect">
+            <a:avLst/>
+          </a:prstGeom>
+          <a:noFill/>
+        </p:spPr>
+        <p:txBody>
+          <a:bodyPr wrap="square">
+            <a:spAutoFit/>
+          </a:bodyPr>
+          <a:lstStyle/>
+          <a:p>
+            <a:pPr>
+              <a:spcBef>
+                <a:spcPts val="800"/>
+              </a:spcBef>
+              <a:spcAft>
+                <a:spcPts val="800"/>
+              </a:spcAft>
+              <a:defRPr sz="2000">
+                <a:solidFill>
+                  <a:srgbClr val="FFFFFF"/>
+                </a:solidFill>
+              </a:defRPr>
+            </a:pPr>
+            <a:r>
+              <a:t>Open Container Initiative (OCI)</a:t>
+            </a:r>
+          </a:p>
+        </p:txBody>
+      </p:sp>
+    </p:spTree>
+  </p:cSld>
+  <p:clrMapOvr>
+    <a:masterClrMapping/>
+  </p:clrMapOvr>
+</p:sld>
+</file>
+
+<file path=ppt/slides/slide26.xml><?xml version="1.0" encoding="utf-8"?>
 <p:sld xmlns:a="http://schemas.openxmlformats.org/drawingml/2006/main" xmlns:p="http://schemas.openxmlformats.org/presentationml/2006/main" xmlns:r="http://schemas.openxmlformats.org/officeDocument/2006/relationships">
   <p:cSld>
     <p:bg>
@@ -10905,186 +11217,6 @@
             </a:pPr>
             <a:r>
               <a:t>3. Working with System Containers (LXC CLI)</a:t>
-            </a:r>
-          </a:p>
-        </p:txBody>
-      </p:sp>
-    </p:spTree>
-  </p:cSld>
-  <p:clrMapOvr>
-    <a:masterClrMapping/>
-  </p:clrMapOvr>
-</p:sld>
-</file>
-
-<file path=ppt/slides/slide26.xml><?xml version="1.0" encoding="utf-8"?>
-<p:sld xmlns:a="http://schemas.openxmlformats.org/drawingml/2006/main" xmlns:p="http://schemas.openxmlformats.org/presentationml/2006/main" xmlns:r="http://schemas.openxmlformats.org/officeDocument/2006/relationships">
-  <p:cSld>
-    <p:bg>
-      <p:bgPr>
-        <a:solidFill>
-          <a:srgbClr val="142A46"/>
-        </a:solidFill>
-        <a:effectLst/>
-      </p:bgPr>
-    </p:bg>
-    <p:spTree>
-      <p:nvGrpSpPr>
-        <p:cNvPr id="1" name=""/>
-        <p:cNvGrpSpPr/>
-        <p:nvPr/>
-      </p:nvGrpSpPr>
-      <p:grpSpPr/>
-      <p:pic>
-        <p:nvPicPr>
-          <p:cNvPr id="2" name="Picture 1" descr="ops3_logo.png"/>
-          <p:cNvPicPr>
-            <a:picLocks noChangeAspect="1"/>
-          </p:cNvPicPr>
-          <p:nvPr/>
-        </p:nvPicPr>
-        <p:blipFill>
-          <a:blip r:embed="rId2"/>
-          <a:stretch>
-            <a:fillRect/>
-          </a:stretch>
-        </p:blipFill>
-        <p:spPr>
-          <a:xfrm>
-            <a:off x="274320" y="274320"/>
-            <a:ext cx="581649" cy="548640"/>
-          </a:xfrm>
-          <a:prstGeom prst="rect">
-            <a:avLst/>
-          </a:prstGeom>
-        </p:spPr>
-      </p:pic>
-      <p:sp>
-        <p:nvSpPr>
-          <p:cNvPr id="3" name="TextBox 2"/>
-          <p:cNvSpPr txBox="1"/>
-          <p:nvPr/>
-        </p:nvSpPr>
-        <p:spPr>
-          <a:xfrm>
-            <a:off x="457200" y="914400"/>
-            <a:ext cx="8229600" cy="640080"/>
-          </a:xfrm>
-          <a:prstGeom prst="rect">
-            <a:avLst/>
-          </a:prstGeom>
-          <a:noFill/>
-        </p:spPr>
-        <p:txBody>
-          <a:bodyPr wrap="none">
-            <a:spAutoFit/>
-          </a:bodyPr>
-          <a:lstStyle/>
-          <a:p>
-            <a:pPr>
-              <a:defRPr sz="3200" b="1">
-                <a:solidFill>
-                  <a:srgbClr val="C9984A"/>
-                </a:solidFill>
-              </a:defRPr>
-            </a:pPr>
-            <a:r>
-              <a:t>3.1. Creating a Container</a:t>
-            </a:r>
-          </a:p>
-        </p:txBody>
-      </p:sp>
-      <p:sp>
-        <p:nvSpPr>
-          <p:cNvPr id="4" name="TextBox 3"/>
-          <p:cNvSpPr txBox="1"/>
-          <p:nvPr/>
-        </p:nvSpPr>
-        <p:spPr>
-          <a:xfrm>
-            <a:off x="731520" y="1737360"/>
-            <a:ext cx="7680960" cy="4389120"/>
-          </a:xfrm>
-          <a:prstGeom prst="rect">
-            <a:avLst/>
-          </a:prstGeom>
-          <a:noFill/>
-        </p:spPr>
-        <p:txBody>
-          <a:bodyPr wrap="square">
-            <a:spAutoFit/>
-          </a:bodyPr>
-          <a:lstStyle/>
-          <a:p>
-            <a:pPr>
-              <a:spcBef>
-                <a:spcPts val="800"/>
-              </a:spcBef>
-              <a:spcAft>
-                <a:spcPts val="800"/>
-              </a:spcAft>
-              <a:defRPr sz="2000">
-                <a:solidFill>
-                  <a:srgbClr val="FFFFFF"/>
-                </a:solidFill>
-              </a:defRPr>
-            </a:pPr>
-            <a:r>
-              <a:t>In the Docker ecosystem, users typically "pull" an image from a registry.</a:t>
-            </a:r>
-          </a:p>
-          <a:p>
-            <a:pPr>
-              <a:spcBef>
-                <a:spcPts val="800"/>
-              </a:spcBef>
-              <a:spcAft>
-                <a:spcPts val="800"/>
-              </a:spcAft>
-              <a:defRPr sz="2000">
-                <a:solidFill>
-                  <a:srgbClr val="FFFFFF"/>
-                </a:solidFill>
-              </a:defRPr>
-            </a:pPr>
-            <a:r>
-              <a:t>In the LXC ecosystem, the process involves "creating" a container from a template.</a:t>
-            </a:r>
-          </a:p>
-          <a:p>
-            <a:pPr>
-              <a:spcBef>
-                <a:spcPts val="800"/>
-              </a:spcBef>
-              <a:spcAft>
-                <a:spcPts val="800"/>
-              </a:spcAft>
-              <a:defRPr sz="2000">
-                <a:solidFill>
-                  <a:srgbClr val="FFFFFF"/>
-                </a:solidFill>
-              </a:defRPr>
-            </a:pPr>
-            <a:r>
-              <a:t>A template is a script or tarball that constructs the root filesystem for a specific Linux distribution.</a:t>
-            </a:r>
-          </a:p>
-          <a:p>
-            <a:pPr>
-              <a:spcBef>
-                <a:spcPts val="800"/>
-              </a:spcBef>
-              <a:spcAft>
-                <a:spcPts val="800"/>
-              </a:spcAft>
-              <a:defRPr sz="2000">
-                <a:solidFill>
-                  <a:srgbClr val="FFFFFF"/>
-                </a:solidFill>
-              </a:defRPr>
-            </a:pPr>
-            <a:r>
-              <a:t>The lxc-create command handles this process, downloading the necessary files to a directory on the host (typically /var/lib/lxc).</a:t>
             </a:r>
           </a:p>
         </p:txBody>
@@ -11169,7 +11301,7 @@
               </a:defRPr>
             </a:pPr>
             <a:r>
-              <a:t>3.2. Listing and Monitoring</a:t>
+              <a:t>3.1. Creating a Container</a:t>
             </a:r>
           </a:p>
         </p:txBody>
@@ -11210,7 +11342,61 @@
               </a:defRPr>
             </a:pPr>
             <a:r>
-              <a:t>To view the status of containers, the lxc-ls command is used. The --fancy flag provides a formatted table showing the state (RUNNING or STOPPED), IP addresses (if running), and autostart configuration.</a:t>
+              <a:t>In the Docker ecosystem, users typically "pull" an image from a registry.</a:t>
+            </a:r>
+          </a:p>
+          <a:p>
+            <a:pPr>
+              <a:spcBef>
+                <a:spcPts val="800"/>
+              </a:spcBef>
+              <a:spcAft>
+                <a:spcPts val="800"/>
+              </a:spcAft>
+              <a:defRPr sz="2000">
+                <a:solidFill>
+                  <a:srgbClr val="FFFFFF"/>
+                </a:solidFill>
+              </a:defRPr>
+            </a:pPr>
+            <a:r>
+              <a:t>In the LXC ecosystem, the process involves "creating" a container from a template.</a:t>
+            </a:r>
+          </a:p>
+          <a:p>
+            <a:pPr>
+              <a:spcBef>
+                <a:spcPts val="800"/>
+              </a:spcBef>
+              <a:spcAft>
+                <a:spcPts val="800"/>
+              </a:spcAft>
+              <a:defRPr sz="2000">
+                <a:solidFill>
+                  <a:srgbClr val="FFFFFF"/>
+                </a:solidFill>
+              </a:defRPr>
+            </a:pPr>
+            <a:r>
+              <a:t>A template is a script or tarball that constructs the root filesystem for a specific Linux distribution.</a:t>
+            </a:r>
+          </a:p>
+          <a:p>
+            <a:pPr>
+              <a:spcBef>
+                <a:spcPts val="800"/>
+              </a:spcBef>
+              <a:spcAft>
+                <a:spcPts val="800"/>
+              </a:spcAft>
+              <a:defRPr sz="2000">
+                <a:solidFill>
+                  <a:srgbClr val="FFFFFF"/>
+                </a:solidFill>
+              </a:defRPr>
+            </a:pPr>
+            <a:r>
+              <a:t>The lxc-create command handles this process, downloading the necessary files to a directory on the host (typically /var/lib/lxc).</a:t>
             </a:r>
           </a:p>
         </p:txBody>
@@ -11295,7 +11481,7 @@
               </a:defRPr>
             </a:pPr>
             <a:r>
-              <a:t>3.3. Starting a Container</a:t>
+              <a:t>3.2. Listing and Monitoring</a:t>
             </a:r>
           </a:p>
         </p:txBody>
@@ -11336,7 +11522,7 @@
               </a:defRPr>
             </a:pPr>
             <a:r>
-              <a:t>Booting an LXC container is significantly faster than booting a virtual machine because there is no kernel initialization. The lxc-start command simply initiates the init system within the isolated namespace environment.</a:t>
+              <a:t>To view the status of containers, the lxc-ls command is used. The --fancy flag provides a formatted table showing the state (RUNNING or STOPPED), IP addresses (if running), and autostart configuration.</a:t>
             </a:r>
           </a:p>
         </p:txBody>
@@ -11421,7 +11607,7 @@
               </a:defRPr>
             </a:pPr>
             <a:r>
-              <a:t>3.4. Accessing the Container</a:t>
+              <a:t>3.3. Starting a Container</a:t>
             </a:r>
           </a:p>
         </p:txBody>
@@ -11462,43 +11648,7 @@
               </a:defRPr>
             </a:pPr>
             <a:r>
-              <a:t>While it is possible to configure SSH for an LXC container, administrators often use lxc-attach to enter the container's namespace directly from the host.</a:t>
-            </a:r>
-          </a:p>
-          <a:p>
-            <a:pPr>
-              <a:spcBef>
-                <a:spcPts val="800"/>
-              </a:spcBef>
-              <a:spcAft>
-                <a:spcPts val="800"/>
-              </a:spcAft>
-              <a:defRPr sz="2000">
-                <a:solidFill>
-                  <a:srgbClr val="FFFFFF"/>
-                </a:solidFill>
-              </a:defRPr>
-            </a:pPr>
-            <a:r>
-              <a:t>This works similarly to jumping into a chroot environment but respects the namespace boundaries.</a:t>
-            </a:r>
-          </a:p>
-          <a:p>
-            <a:pPr>
-              <a:spcBef>
-                <a:spcPts val="800"/>
-              </a:spcBef>
-              <a:spcAft>
-                <a:spcPts val="800"/>
-              </a:spcAft>
-              <a:defRPr sz="2000">
-                <a:solidFill>
-                  <a:srgbClr val="FFFFFF"/>
-                </a:solidFill>
-              </a:defRPr>
-            </a:pPr>
-            <a:r>
-              <a:t>Once attached, you are the root user inside the container and can manage packages and services normally.</a:t>
+              <a:t>Booting an LXC container is significantly faster than booting a virtual machine because there is no kernel initialization. The lxc-start command simply initiates the init system within the isolated namespace environment.</a:t>
             </a:r>
           </a:p>
         </p:txBody>
@@ -11583,7 +11733,7 @@
               </a:defRPr>
             </a:pPr>
             <a:r>
-              <a:t>What You'll Learn This Week</a:t>
+              <a:t>Welcome to Week 5!</a:t>
             </a:r>
           </a:p>
         </p:txBody>
@@ -11668,7 +11818,7 @@
               </a:defRPr>
             </a:pPr>
             <a:r>
-              <a:t>3.5. Stopping and Destroying</a:t>
+              <a:t>3.4. Accessing the Container</a:t>
             </a:r>
           </a:p>
         </p:txBody>
@@ -11709,7 +11859,43 @@
               </a:defRPr>
             </a:pPr>
             <a:r>
-              <a:t>Containers should be stopped gracefully to allow services to terminate correctly. The lxc-stop command sends the appropriate signals. When a container is no longer needed, lxc-destroy removes its configuration and deletes the root filesystem directory.</a:t>
+              <a:t>While it is possible to configure SSH for an LXC container, administrators often use lxc-attach to enter the container's namespace directly from the host.</a:t>
+            </a:r>
+          </a:p>
+          <a:p>
+            <a:pPr>
+              <a:spcBef>
+                <a:spcPts val="800"/>
+              </a:spcBef>
+              <a:spcAft>
+                <a:spcPts val="800"/>
+              </a:spcAft>
+              <a:defRPr sz="2000">
+                <a:solidFill>
+                  <a:srgbClr val="FFFFFF"/>
+                </a:solidFill>
+              </a:defRPr>
+            </a:pPr>
+            <a:r>
+              <a:t>This works similarly to jumping into a chroot environment but respects the namespace boundaries.</a:t>
+            </a:r>
+          </a:p>
+          <a:p>
+            <a:pPr>
+              <a:spcBef>
+                <a:spcPts val="800"/>
+              </a:spcBef>
+              <a:spcAft>
+                <a:spcPts val="800"/>
+              </a:spcAft>
+              <a:defRPr sz="2000">
+                <a:solidFill>
+                  <a:srgbClr val="FFFFFF"/>
+                </a:solidFill>
+              </a:defRPr>
+            </a:pPr>
+            <a:r>
+              <a:t>Once attached, you are the root user inside the container and can manage packages and services normally.</a:t>
             </a:r>
           </a:p>
         </p:txBody>
@@ -11794,7 +11980,7 @@
               </a:defRPr>
             </a:pPr>
             <a:r>
-              <a:t>3.6. Section 3 Checkpoint (Part 1)</a:t>
+              <a:t>3.5. Stopping and Destroying</a:t>
             </a:r>
           </a:p>
         </p:txBody>
@@ -11835,79 +12021,7 @@
               </a:defRPr>
             </a:pPr>
             <a:r>
-              <a:t>Create: Builds a rootfs from a Template (lxc-create).</a:t>
-            </a:r>
-          </a:p>
-          <a:p>
-            <a:pPr>
-              <a:spcBef>
-                <a:spcPts val="800"/>
-              </a:spcBef>
-              <a:spcAft>
-                <a:spcPts val="800"/>
-              </a:spcAft>
-              <a:defRPr sz="2000">
-                <a:solidFill>
-                  <a:srgbClr val="FFFFFF"/>
-                </a:solidFill>
-              </a:defRPr>
-            </a:pPr>
-            <a:r>
-              <a:t>Start: Boots the init system inside the namespace (lxc-start).</a:t>
-            </a:r>
-          </a:p>
-          <a:p>
-            <a:pPr>
-              <a:spcBef>
-                <a:spcPts val="800"/>
-              </a:spcBef>
-              <a:spcAft>
-                <a:spcPts val="800"/>
-              </a:spcAft>
-              <a:defRPr sz="2000">
-                <a:solidFill>
-                  <a:srgbClr val="FFFFFF"/>
-                </a:solidFill>
-              </a:defRPr>
-            </a:pPr>
-            <a:r>
-              <a:t>Attach: Enters the namespace directly (lxc-attach).</a:t>
-            </a:r>
-          </a:p>
-          <a:p>
-            <a:pPr>
-              <a:spcBef>
-                <a:spcPts val="800"/>
-              </a:spcBef>
-              <a:spcAft>
-                <a:spcPts val="800"/>
-              </a:spcAft>
-              <a:defRPr sz="2000">
-                <a:solidFill>
-                  <a:srgbClr val="FFFFFF"/>
-                </a:solidFill>
-              </a:defRPr>
-            </a:pPr>
-            <a:r>
-              <a:t>How does lxc-attach differ from SSH?</a:t>
-            </a:r>
-          </a:p>
-          <a:p>
-            <a:pPr>
-              <a:spcBef>
-                <a:spcPts val="800"/>
-              </a:spcBef>
-              <a:spcAft>
-                <a:spcPts val="800"/>
-              </a:spcAft>
-              <a:defRPr sz="2000">
-                <a:solidFill>
-                  <a:srgbClr val="FFFFFF"/>
-                </a:solidFill>
-              </a:defRPr>
-            </a:pPr>
-            <a:r>
-              <a:t>Where are the container filesystems actually stored on the host?</a:t>
+              <a:t>Containers should be stopped gracefully to allow services to terminate correctly. The lxc-stop command sends the appropriate signals. When a container is no longer needed, lxc-destroy removes its configuration and deletes the root filesystem directory.</a:t>
             </a:r>
           </a:p>
         </p:txBody>
@@ -11992,7 +12106,7 @@
               </a:defRPr>
             </a:pPr>
             <a:r>
-              <a:t>3.6. Section 3 Checkpoint (Part 2)</a:t>
+              <a:t>3.6. Section 3 Checkpoint (Part 1)</a:t>
             </a:r>
           </a:p>
         </p:txBody>
@@ -12033,7 +12147,79 @@
               </a:defRPr>
             </a:pPr>
             <a:r>
-              <a:t>Linux Containers (LXC) Project</a:t>
+              <a:t>Create: Builds a rootfs from a Template (lxc-create).</a:t>
+            </a:r>
+          </a:p>
+          <a:p>
+            <a:pPr>
+              <a:spcBef>
+                <a:spcPts val="800"/>
+              </a:spcBef>
+              <a:spcAft>
+                <a:spcPts val="800"/>
+              </a:spcAft>
+              <a:defRPr sz="2000">
+                <a:solidFill>
+                  <a:srgbClr val="FFFFFF"/>
+                </a:solidFill>
+              </a:defRPr>
+            </a:pPr>
+            <a:r>
+              <a:t>Start: Boots the init system inside the namespace (lxc-start).</a:t>
+            </a:r>
+          </a:p>
+          <a:p>
+            <a:pPr>
+              <a:spcBef>
+                <a:spcPts val="800"/>
+              </a:spcBef>
+              <a:spcAft>
+                <a:spcPts val="800"/>
+              </a:spcAft>
+              <a:defRPr sz="2000">
+                <a:solidFill>
+                  <a:srgbClr val="FFFFFF"/>
+                </a:solidFill>
+              </a:defRPr>
+            </a:pPr>
+            <a:r>
+              <a:t>Attach: Enters the namespace directly (lxc-attach).</a:t>
+            </a:r>
+          </a:p>
+          <a:p>
+            <a:pPr>
+              <a:spcBef>
+                <a:spcPts val="800"/>
+              </a:spcBef>
+              <a:spcAft>
+                <a:spcPts val="800"/>
+              </a:spcAft>
+              <a:defRPr sz="2000">
+                <a:solidFill>
+                  <a:srgbClr val="FFFFFF"/>
+                </a:solidFill>
+              </a:defRPr>
+            </a:pPr>
+            <a:r>
+              <a:t>How does lxc-attach differ from SSH?</a:t>
+            </a:r>
+          </a:p>
+          <a:p>
+            <a:pPr>
+              <a:spcBef>
+                <a:spcPts val="800"/>
+              </a:spcBef>
+              <a:spcAft>
+                <a:spcPts val="800"/>
+              </a:spcAft>
+              <a:defRPr sz="2000">
+                <a:solidFill>
+                  <a:srgbClr val="FFFFFF"/>
+                </a:solidFill>
+              </a:defRPr>
+            </a:pPr>
+            <a:r>
+              <a:t>Where are the container filesystems actually stored on the host?</a:t>
             </a:r>
           </a:p>
         </p:txBody>
@@ -12047,6 +12233,132 @@
 </file>
 
 <file path=ppt/slides/slide33.xml><?xml version="1.0" encoding="utf-8"?>
+<p:sld xmlns:a="http://schemas.openxmlformats.org/drawingml/2006/main" xmlns:p="http://schemas.openxmlformats.org/presentationml/2006/main" xmlns:r="http://schemas.openxmlformats.org/officeDocument/2006/relationships">
+  <p:cSld>
+    <p:bg>
+      <p:bgPr>
+        <a:solidFill>
+          <a:srgbClr val="142A46"/>
+        </a:solidFill>
+        <a:effectLst/>
+      </p:bgPr>
+    </p:bg>
+    <p:spTree>
+      <p:nvGrpSpPr>
+        <p:cNvPr id="1" name=""/>
+        <p:cNvGrpSpPr/>
+        <p:nvPr/>
+      </p:nvGrpSpPr>
+      <p:grpSpPr/>
+      <p:pic>
+        <p:nvPicPr>
+          <p:cNvPr id="2" name="Picture 1" descr="ops3_logo.png"/>
+          <p:cNvPicPr>
+            <a:picLocks noChangeAspect="1"/>
+          </p:cNvPicPr>
+          <p:nvPr/>
+        </p:nvPicPr>
+        <p:blipFill>
+          <a:blip r:embed="rId2"/>
+          <a:stretch>
+            <a:fillRect/>
+          </a:stretch>
+        </p:blipFill>
+        <p:spPr>
+          <a:xfrm>
+            <a:off x="274320" y="274320"/>
+            <a:ext cx="581649" cy="548640"/>
+          </a:xfrm>
+          <a:prstGeom prst="rect">
+            <a:avLst/>
+          </a:prstGeom>
+        </p:spPr>
+      </p:pic>
+      <p:sp>
+        <p:nvSpPr>
+          <p:cNvPr id="3" name="TextBox 2"/>
+          <p:cNvSpPr txBox="1"/>
+          <p:nvPr/>
+        </p:nvSpPr>
+        <p:spPr>
+          <a:xfrm>
+            <a:off x="457200" y="914400"/>
+            <a:ext cx="8229600" cy="640080"/>
+          </a:xfrm>
+          <a:prstGeom prst="rect">
+            <a:avLst/>
+          </a:prstGeom>
+          <a:noFill/>
+        </p:spPr>
+        <p:txBody>
+          <a:bodyPr wrap="none">
+            <a:spAutoFit/>
+          </a:bodyPr>
+          <a:lstStyle/>
+          <a:p>
+            <a:pPr>
+              <a:defRPr sz="3200" b="1">
+                <a:solidFill>
+                  <a:srgbClr val="C9984A"/>
+                </a:solidFill>
+              </a:defRPr>
+            </a:pPr>
+            <a:r>
+              <a:t>3.6. Section 3 Checkpoint (Part 2)</a:t>
+            </a:r>
+          </a:p>
+        </p:txBody>
+      </p:sp>
+      <p:sp>
+        <p:nvSpPr>
+          <p:cNvPr id="4" name="TextBox 3"/>
+          <p:cNvSpPr txBox="1"/>
+          <p:nvPr/>
+        </p:nvSpPr>
+        <p:spPr>
+          <a:xfrm>
+            <a:off x="731520" y="1737360"/>
+            <a:ext cx="7680960" cy="4389120"/>
+          </a:xfrm>
+          <a:prstGeom prst="rect">
+            <a:avLst/>
+          </a:prstGeom>
+          <a:noFill/>
+        </p:spPr>
+        <p:txBody>
+          <a:bodyPr wrap="square">
+            <a:spAutoFit/>
+          </a:bodyPr>
+          <a:lstStyle/>
+          <a:p>
+            <a:pPr>
+              <a:spcBef>
+                <a:spcPts val="800"/>
+              </a:spcBef>
+              <a:spcAft>
+                <a:spcPts val="800"/>
+              </a:spcAft>
+              <a:defRPr sz="2000">
+                <a:solidFill>
+                  <a:srgbClr val="FFFFFF"/>
+                </a:solidFill>
+              </a:defRPr>
+            </a:pPr>
+            <a:r>
+              <a:t>Linux Containers (LXC) Project</a:t>
+            </a:r>
+          </a:p>
+        </p:txBody>
+      </p:sp>
+    </p:spTree>
+  </p:cSld>
+  <p:clrMapOvr>
+    <a:masterClrMapping/>
+  </p:clrMapOvr>
+</p:sld>
+</file>
+
+<file path=ppt/slides/slide34.xml><?xml version="1.0" encoding="utf-8"?>
 <p:sld xmlns:a="http://schemas.openxmlformats.org/drawingml/2006/main" xmlns:p="http://schemas.openxmlformats.org/presentationml/2006/main" xmlns:r="http://schemas.openxmlformats.org/officeDocument/2006/relationships">
   <p:cSld>
     <p:bg>
@@ -12119,168 +12431,6 @@
             </a:pPr>
             <a:r>
               <a:t>4. LXC in Proxmox VE (GUI Workflow)</a:t>
-            </a:r>
-          </a:p>
-        </p:txBody>
-      </p:sp>
-    </p:spTree>
-  </p:cSld>
-  <p:clrMapOvr>
-    <a:masterClrMapping/>
-  </p:clrMapOvr>
-</p:sld>
-</file>
-
-<file path=ppt/slides/slide34.xml><?xml version="1.0" encoding="utf-8"?>
-<p:sld xmlns:a="http://schemas.openxmlformats.org/drawingml/2006/main" xmlns:p="http://schemas.openxmlformats.org/presentationml/2006/main" xmlns:r="http://schemas.openxmlformats.org/officeDocument/2006/relationships">
-  <p:cSld>
-    <p:bg>
-      <p:bgPr>
-        <a:solidFill>
-          <a:srgbClr val="142A46"/>
-        </a:solidFill>
-        <a:effectLst/>
-      </p:bgPr>
-    </p:bg>
-    <p:spTree>
-      <p:nvGrpSpPr>
-        <p:cNvPr id="1" name=""/>
-        <p:cNvGrpSpPr/>
-        <p:nvPr/>
-      </p:nvGrpSpPr>
-      <p:grpSpPr/>
-      <p:pic>
-        <p:nvPicPr>
-          <p:cNvPr id="2" name="Picture 1" descr="ops3_logo.png"/>
-          <p:cNvPicPr>
-            <a:picLocks noChangeAspect="1"/>
-          </p:cNvPicPr>
-          <p:nvPr/>
-        </p:nvPicPr>
-        <p:blipFill>
-          <a:blip r:embed="rId2"/>
-          <a:stretch>
-            <a:fillRect/>
-          </a:stretch>
-        </p:blipFill>
-        <p:spPr>
-          <a:xfrm>
-            <a:off x="274320" y="274320"/>
-            <a:ext cx="581649" cy="548640"/>
-          </a:xfrm>
-          <a:prstGeom prst="rect">
-            <a:avLst/>
-          </a:prstGeom>
-        </p:spPr>
-      </p:pic>
-      <p:sp>
-        <p:nvSpPr>
-          <p:cNvPr id="3" name="TextBox 2"/>
-          <p:cNvSpPr txBox="1"/>
-          <p:nvPr/>
-        </p:nvSpPr>
-        <p:spPr>
-          <a:xfrm>
-            <a:off x="457200" y="914400"/>
-            <a:ext cx="8229600" cy="640080"/>
-          </a:xfrm>
-          <a:prstGeom prst="rect">
-            <a:avLst/>
-          </a:prstGeom>
-          <a:noFill/>
-        </p:spPr>
-        <p:txBody>
-          <a:bodyPr wrap="none">
-            <a:spAutoFit/>
-          </a:bodyPr>
-          <a:lstStyle/>
-          <a:p>
-            <a:pPr>
-              <a:defRPr sz="3200" b="1">
-                <a:solidFill>
-                  <a:srgbClr val="C9984A"/>
-                </a:solidFill>
-              </a:defRPr>
-            </a:pPr>
-            <a:r>
-              <a:t>4.1. Step 1: Downloading Templates</a:t>
-            </a:r>
-          </a:p>
-        </p:txBody>
-      </p:sp>
-      <p:sp>
-        <p:nvSpPr>
-          <p:cNvPr id="4" name="TextBox 3"/>
-          <p:cNvSpPr txBox="1"/>
-          <p:nvPr/>
-        </p:nvSpPr>
-        <p:spPr>
-          <a:xfrm>
-            <a:off x="731520" y="1737360"/>
-            <a:ext cx="7680960" cy="4389120"/>
-          </a:xfrm>
-          <a:prstGeom prst="rect">
-            <a:avLst/>
-          </a:prstGeom>
-          <a:noFill/>
-        </p:spPr>
-        <p:txBody>
-          <a:bodyPr wrap="square">
-            <a:spAutoFit/>
-          </a:bodyPr>
-          <a:lstStyle/>
-          <a:p>
-            <a:pPr>
-              <a:spcBef>
-                <a:spcPts val="800"/>
-              </a:spcBef>
-              <a:spcAft>
-                <a:spcPts val="800"/>
-              </a:spcAft>
-              <a:defRPr sz="2000">
-                <a:solidFill>
-                  <a:srgbClr val="FFFFFF"/>
-                </a:solidFill>
-              </a:defRPr>
-            </a:pPr>
-            <a:r>
-              <a:t>Before a container can be created, a template must be available on the configured storage.</a:t>
-            </a:r>
-          </a:p>
-          <a:p>
-            <a:pPr>
-              <a:spcBef>
-                <a:spcPts val="800"/>
-              </a:spcBef>
-              <a:spcAft>
-                <a:spcPts val="800"/>
-              </a:spcAft>
-              <a:defRPr sz="2000">
-                <a:solidFill>
-                  <a:srgbClr val="FFFFFF"/>
-                </a:solidFill>
-              </a:defRPr>
-            </a:pPr>
-            <a:r>
-              <a:t>In the Proxmox GUI, navigate to the storage view (such as local or local-lvm).</a:t>
-            </a:r>
-          </a:p>
-          <a:p>
-            <a:pPr>
-              <a:spcBef>
-                <a:spcPts val="800"/>
-              </a:spcBef>
-              <a:spcAft>
-                <a:spcPts val="800"/>
-              </a:spcAft>
-              <a:defRPr sz="2000">
-                <a:solidFill>
-                  <a:srgbClr val="FFFFFF"/>
-                </a:solidFill>
-              </a:defRPr>
-            </a:pPr>
-            <a:r>
-              <a:t>The CT Templates section provides a built-in browser for downloading official templates for various distributions like Ubuntu, Debian, Alpine, and CentOS, as well as TurnKey Linux appliances which come pre-configured with software stacks.</a:t>
             </a:r>
           </a:p>
         </p:txBody>
@@ -12365,7 +12515,7 @@
               </a:defRPr>
             </a:pPr>
             <a:r>
-              <a:t>4.2. Step 2: Creating a Container</a:t>
+              <a:t>4.1. Step 1: Downloading Templates</a:t>
             </a:r>
           </a:p>
         </p:txBody>
@@ -12406,7 +12556,7 @@
               </a:defRPr>
             </a:pPr>
             <a:r>
-              <a:t>The creation wizard guides you through the configuration.</a:t>
+              <a:t>Before a container can be created, a template must be available on the configured storage.</a:t>
             </a:r>
           </a:p>
           <a:p>
@@ -12424,7 +12574,7 @@
               </a:defRPr>
             </a:pPr>
             <a:r>
-              <a:t>Important settings include the Hostname, which sets the container's internal identity, and the Unprivileged option.</a:t>
+              <a:t>In the Proxmox GUI, navigate to the storage view (such as local or local-lvm).</a:t>
             </a:r>
           </a:p>
           <a:p>
@@ -12442,25 +12592,7 @@
               </a:defRPr>
             </a:pPr>
             <a:r>
-              <a:t>Unprivileged containers are the default and recommended choice; they use user namespaces to map the container's root user to a non-privileged user on the host, significantly reducing the impact of a potential container escape.</a:t>
-            </a:r>
-          </a:p>
-          <a:p>
-            <a:pPr>
-              <a:spcBef>
-                <a:spcPts val="800"/>
-              </a:spcBef>
-              <a:spcAft>
-                <a:spcPts val="800"/>
-              </a:spcAft>
-              <a:defRPr sz="2000">
-                <a:solidFill>
-                  <a:srgbClr val="FFFFFF"/>
-                </a:solidFill>
-              </a:defRPr>
-            </a:pPr>
-            <a:r>
-              <a:t>During Disk and CPU/Memory configuration, you set the resource limits that cgroups will enforce.</a:t>
+              <a:t>The CT Templates section provides a built-in browser for downloading official templates for various distributions like Ubuntu, Debian, Alpine, and CentOS, as well as TurnKey Linux appliances which come pre-configured with software stacks.</a:t>
             </a:r>
           </a:p>
         </p:txBody>
@@ -12545,7 +12677,7 @@
               </a:defRPr>
             </a:pPr>
             <a:r>
-              <a:t>4.3. Step 3: Managing Resources Dynamically</a:t>
+              <a:t>4.2. Step 2: Creating a Container</a:t>
             </a:r>
           </a:p>
         </p:txBody>
@@ -12586,7 +12718,7 @@
               </a:defRPr>
             </a:pPr>
             <a:r>
-              <a:t>One of the key advantages of containers is the ability to adjust resources without rebooting.</a:t>
+              <a:t>The creation wizard guides you through the configuration.</a:t>
             </a:r>
           </a:p>
           <a:p>
@@ -12604,7 +12736,7 @@
               </a:defRPr>
             </a:pPr>
             <a:r>
-              <a:t>If a container is under memory pressure, you can navigate to the Resources tab in Proxmox and increase the Memory limit.</a:t>
+              <a:t>Important settings include the Hostname, which sets the container's internal identity, and the Unprivileged option.</a:t>
             </a:r>
           </a:p>
           <a:p>
@@ -12622,7 +12754,7 @@
               </a:defRPr>
             </a:pPr>
             <a:r>
-              <a:t>The change is applied instantly to the running container's cgroup.</a:t>
+              <a:t>Unprivileged containers are the default and recommended choice; they use user namespaces to map the container's root user to a non-privileged user on the host, significantly reducing the impact of a potential container escape.</a:t>
             </a:r>
           </a:p>
           <a:p>
@@ -12640,7 +12772,7 @@
               </a:defRPr>
             </a:pPr>
             <a:r>
-              <a:t>This elasticity allows for highly efficient resource management compared to the static allocation often required for virtual machines.</a:t>
+              <a:t>During Disk and CPU/Memory configuration, you set the resource limits that cgroups will enforce.</a:t>
             </a:r>
           </a:p>
         </p:txBody>
@@ -12725,7 +12857,7 @@
               </a:defRPr>
             </a:pPr>
             <a:r>
-              <a:t>4.4. Section 4 Checkpoint (Part 1)</a:t>
+              <a:t>4.3. Step 3: Managing Resources Dynamically</a:t>
             </a:r>
           </a:p>
         </p:txBody>
@@ -12766,7 +12898,7 @@
               </a:defRPr>
             </a:pPr>
             <a:r>
-              <a:t>Proxmox uses typical LXC tech but wraps it in a GUI for ease of use.</a:t>
+              <a:t>One of the key advantages of containers is the ability to adjust resources without rebooting.</a:t>
             </a:r>
           </a:p>
           <a:p>
@@ -12784,7 +12916,7 @@
               </a:defRPr>
             </a:pPr>
             <a:r>
-              <a:t>Templates: Must be downloaded to storage before creation.</a:t>
+              <a:t>If a container is under memory pressure, you can navigate to the Resources tab in Proxmox and increase the Memory limit.</a:t>
             </a:r>
           </a:p>
           <a:p>
@@ -12802,7 +12934,7 @@
               </a:defRPr>
             </a:pPr>
             <a:r>
-              <a:t>Unprivileged: Maps root inside container to non-root outside for security.</a:t>
+              <a:t>The change is applied instantly to the running container's cgroup.</a:t>
             </a:r>
           </a:p>
           <a:p>
@@ -12820,25 +12952,7 @@
               </a:defRPr>
             </a:pPr>
             <a:r>
-              <a:t>Why is "Unprivileged" the default?</a:t>
-            </a:r>
-          </a:p>
-          <a:p>
-            <a:pPr>
-              <a:spcBef>
-                <a:spcPts val="800"/>
-              </a:spcBef>
-              <a:spcAft>
-                <a:spcPts val="800"/>
-              </a:spcAft>
-              <a:defRPr sz="2000">
-                <a:solidFill>
-                  <a:srgbClr val="FFFFFF"/>
-                </a:solidFill>
-              </a:defRPr>
-            </a:pPr>
-            <a:r>
-              <a:t>How does dynamic resource resizing work with cgroups?</a:t>
+              <a:t>This elasticity allows for highly efficient resource management compared to the static allocation often required for virtual machines.</a:t>
             </a:r>
           </a:p>
         </p:txBody>
@@ -12923,7 +13037,7 @@
               </a:defRPr>
             </a:pPr>
             <a:r>
-              <a:t>4.4. Section 4 Checkpoint (Part 2)</a:t>
+              <a:t>4.4. Section 4 Checkpoint (Part 1)</a:t>
             </a:r>
           </a:p>
         </p:txBody>
@@ -12964,7 +13078,79 @@
               </a:defRPr>
             </a:pPr>
             <a:r>
-              <a:t>Proxmox VE: Linux Container (LXC)</a:t>
+              <a:t>Proxmox uses typical LXC tech but wraps it in a GUI for ease of use.</a:t>
+            </a:r>
+          </a:p>
+          <a:p>
+            <a:pPr>
+              <a:spcBef>
+                <a:spcPts val="800"/>
+              </a:spcBef>
+              <a:spcAft>
+                <a:spcPts val="800"/>
+              </a:spcAft>
+              <a:defRPr sz="2000">
+                <a:solidFill>
+                  <a:srgbClr val="FFFFFF"/>
+                </a:solidFill>
+              </a:defRPr>
+            </a:pPr>
+            <a:r>
+              <a:t>Templates: Must be downloaded to storage before creation.</a:t>
+            </a:r>
+          </a:p>
+          <a:p>
+            <a:pPr>
+              <a:spcBef>
+                <a:spcPts val="800"/>
+              </a:spcBef>
+              <a:spcAft>
+                <a:spcPts val="800"/>
+              </a:spcAft>
+              <a:defRPr sz="2000">
+                <a:solidFill>
+                  <a:srgbClr val="FFFFFF"/>
+                </a:solidFill>
+              </a:defRPr>
+            </a:pPr>
+            <a:r>
+              <a:t>Unprivileged: Maps root inside container to non-root outside for security.</a:t>
+            </a:r>
+          </a:p>
+          <a:p>
+            <a:pPr>
+              <a:spcBef>
+                <a:spcPts val="800"/>
+              </a:spcBef>
+              <a:spcAft>
+                <a:spcPts val="800"/>
+              </a:spcAft>
+              <a:defRPr sz="2000">
+                <a:solidFill>
+                  <a:srgbClr val="FFFFFF"/>
+                </a:solidFill>
+              </a:defRPr>
+            </a:pPr>
+            <a:r>
+              <a:t>Why is "Unprivileged" the default?</a:t>
+            </a:r>
+          </a:p>
+          <a:p>
+            <a:pPr>
+              <a:spcBef>
+                <a:spcPts val="800"/>
+              </a:spcBef>
+              <a:spcAft>
+                <a:spcPts val="800"/>
+              </a:spcAft>
+              <a:defRPr sz="2000">
+                <a:solidFill>
+                  <a:srgbClr val="FFFFFF"/>
+                </a:solidFill>
+              </a:defRPr>
+            </a:pPr>
+            <a:r>
+              <a:t>How does dynamic resource resizing work with cgroups?</a:t>
             </a:r>
           </a:p>
         </p:txBody>
@@ -12983,7 +13169,7 @@
     <p:bg>
       <p:bgPr>
         <a:solidFill>
-          <a:srgbClr val="1E3A5F"/>
+          <a:srgbClr val="142A46"/>
         </a:solidFill>
         <a:effectLst/>
       </p:bgPr>
@@ -13027,8 +13213,43 @@
         </p:nvSpPr>
         <p:spPr>
           <a:xfrm>
-            <a:off x="914400" y="2286000"/>
-            <a:ext cx="7315200" cy="1828800"/>
+            <a:off x="457200" y="914400"/>
+            <a:ext cx="8229600" cy="640080"/>
+          </a:xfrm>
+          <a:prstGeom prst="rect">
+            <a:avLst/>
+          </a:prstGeom>
+          <a:noFill/>
+        </p:spPr>
+        <p:txBody>
+          <a:bodyPr wrap="none">
+            <a:spAutoFit/>
+          </a:bodyPr>
+          <a:lstStyle/>
+          <a:p>
+            <a:pPr>
+              <a:defRPr sz="3200" b="1">
+                <a:solidFill>
+                  <a:srgbClr val="C9984A"/>
+                </a:solidFill>
+              </a:defRPr>
+            </a:pPr>
+            <a:r>
+              <a:t>4.4. Section 4 Checkpoint (Part 2)</a:t>
+            </a:r>
+          </a:p>
+        </p:txBody>
+      </p:sp>
+      <p:sp>
+        <p:nvSpPr>
+          <p:cNvPr id="4" name="TextBox 3"/>
+          <p:cNvSpPr txBox="1"/>
+          <p:nvPr/>
+        </p:nvSpPr>
+        <p:spPr>
+          <a:xfrm>
+            <a:off x="731520" y="1737360"/>
+            <a:ext cx="7680960" cy="4389120"/>
           </a:xfrm>
           <a:prstGeom prst="rect">
             <a:avLst/>
@@ -13041,15 +13262,21 @@
           </a:bodyPr>
           <a:lstStyle/>
           <a:p>
-            <a:pPr algn="ctr">
-              <a:defRPr sz="4800" b="1">
-                <a:solidFill>
-                  <a:srgbClr val="C9984A"/>
-                </a:solidFill>
-              </a:defRPr>
-            </a:pPr>
-            <a:r>
-              <a:t>5. Working with Application Containers (Docker CLI)</a:t>
+            <a:pPr>
+              <a:spcBef>
+                <a:spcPts val="800"/>
+              </a:spcBef>
+              <a:spcAft>
+                <a:spcPts val="800"/>
+              </a:spcAft>
+              <a:defRPr sz="2000">
+                <a:solidFill>
+                  <a:srgbClr val="FFFFFF"/>
+                </a:solidFill>
+              </a:defRPr>
+            </a:pPr>
+            <a:r>
+              <a:t>Proxmox VE: Linux Container (LXC)</a:t>
             </a:r>
           </a:p>
         </p:txBody>
@@ -13134,7 +13361,7 @@
               </a:defRPr>
             </a:pPr>
             <a:r>
-              <a:t>1. The Container Paradigm</a:t>
+              <a:t>What You'll Learn This Week</a:t>
             </a:r>
           </a:p>
         </p:txBody>
@@ -13153,7 +13380,7 @@
     <p:bg>
       <p:bgPr>
         <a:solidFill>
-          <a:srgbClr val="142A46"/>
+          <a:srgbClr val="1E3A5F"/>
         </a:solidFill>
         <a:effectLst/>
       </p:bgPr>
@@ -13197,43 +13424,8 @@
         </p:nvSpPr>
         <p:spPr>
           <a:xfrm>
-            <a:off x="457200" y="914400"/>
-            <a:ext cx="8229600" cy="640080"/>
-          </a:xfrm>
-          <a:prstGeom prst="rect">
-            <a:avLst/>
-          </a:prstGeom>
-          <a:noFill/>
-        </p:spPr>
-        <p:txBody>
-          <a:bodyPr wrap="none">
-            <a:spAutoFit/>
-          </a:bodyPr>
-          <a:lstStyle/>
-          <a:p>
-            <a:pPr>
-              <a:defRPr sz="3200" b="1">
-                <a:solidFill>
-                  <a:srgbClr val="C9984A"/>
-                </a:solidFill>
-              </a:defRPr>
-            </a:pPr>
-            <a:r>
-              <a:t>5.1. Docker Architecture Components (Part 1)</a:t>
-            </a:r>
-          </a:p>
-        </p:txBody>
-      </p:sp>
-      <p:sp>
-        <p:nvSpPr>
-          <p:cNvPr id="4" name="TextBox 3"/>
-          <p:cNvSpPr txBox="1"/>
-          <p:nvPr/>
-        </p:nvSpPr>
-        <p:spPr>
-          <a:xfrm>
-            <a:off x="731520" y="1737360"/>
-            <a:ext cx="7680960" cy="4389120"/>
+            <a:off x="914400" y="2286000"/>
+            <a:ext cx="7315200" cy="1828800"/>
           </a:xfrm>
           <a:prstGeom prst="rect">
             <a:avLst/>
@@ -13246,93 +13438,15 @@
           </a:bodyPr>
           <a:lstStyle/>
           <a:p>
-            <a:pPr>
-              <a:spcBef>
-                <a:spcPts val="800"/>
-              </a:spcBef>
-              <a:spcAft>
-                <a:spcPts val="800"/>
-              </a:spcAft>
-              <a:defRPr sz="2000">
-                <a:solidFill>
-                  <a:srgbClr val="FFFFFF"/>
-                </a:solidFill>
-              </a:defRPr>
-            </a:pPr>
-            <a:r>
-              <a:t>The Docker platform comprises several interconnected components forming a complete ecosystem.</a:t>
-            </a:r>
-          </a:p>
-          <a:p>
-            <a:pPr>
-              <a:spcBef>
-                <a:spcPts val="800"/>
-              </a:spcBef>
-              <a:spcAft>
-                <a:spcPts val="800"/>
-              </a:spcAft>
-              <a:defRPr sz="2000">
-                <a:solidFill>
-                  <a:srgbClr val="FFFFFF"/>
-                </a:solidFill>
-              </a:defRPr>
-            </a:pPr>
-            <a:r>
-              <a:t>Understanding this architecture clarifies how Docker operates.</a:t>
-            </a:r>
-          </a:p>
-          <a:p>
-            <a:pPr>
-              <a:spcBef>
-                <a:spcPts val="800"/>
-              </a:spcBef>
-              <a:spcAft>
-                <a:spcPts val="800"/>
-              </a:spcAft>
-              <a:defRPr sz="2000">
-                <a:solidFill>
-                  <a:srgbClr val="FFFFFF"/>
-                </a:solidFill>
-              </a:defRPr>
-            </a:pPr>
-            <a:r>
-              <a:t>At the foundation, the Docker daemon (dockerd) runs as a persistent background service, managing Docker objects like images, containers, networks, and volumes.</a:t>
-            </a:r>
-          </a:p>
-          <a:p>
-            <a:pPr>
-              <a:spcBef>
-                <a:spcPts val="800"/>
-              </a:spcBef>
-              <a:spcAft>
-                <a:spcPts val="800"/>
-              </a:spcAft>
-              <a:defRPr sz="2000">
-                <a:solidFill>
-                  <a:srgbClr val="FFFFFF"/>
-                </a:solidFill>
-              </a:defRPr>
-            </a:pPr>
-            <a:r>
-              <a:t>The Docker CLI (docker) provides the familiar command-line interface.</a:t>
-            </a:r>
-          </a:p>
-          <a:p>
-            <a:pPr>
-              <a:spcBef>
-                <a:spcPts val="800"/>
-              </a:spcBef>
-              <a:spcAft>
-                <a:spcPts val="800"/>
-              </a:spcAft>
-              <a:defRPr sz="2000">
-                <a:solidFill>
-                  <a:srgbClr val="FFFFFF"/>
-                </a:solidFill>
-              </a:defRPr>
-            </a:pPr>
-            <a:r>
-              <a:t>When you run a command, it translates this into API calls to the daemon.</a:t>
+            <a:pPr algn="ctr">
+              <a:defRPr sz="4800" b="1">
+                <a:solidFill>
+                  <a:srgbClr val="C9984A"/>
+                </a:solidFill>
+              </a:defRPr>
+            </a:pPr>
+            <a:r>
+              <a:t>5. Working with Application Containers (Docker CLI)</a:t>
             </a:r>
           </a:p>
         </p:txBody>
@@ -13417,7 +13531,7 @@
               </a:defRPr>
             </a:pPr>
             <a:r>
-              <a:t>5.1. Docker Architecture Components (Part 2)</a:t>
+              <a:t>5.1. Docker Architecture Components (Part 1)</a:t>
             </a:r>
           </a:p>
         </p:txBody>
@@ -13458,7 +13572,7 @@
               </a:defRPr>
             </a:pPr>
             <a:r>
-              <a:t>Docker Images serve as the templates from which containers instantiate.</a:t>
+              <a:t>The Docker platform comprises several interconnected components forming a complete ecosystem.</a:t>
             </a:r>
           </a:p>
           <a:p>
@@ -13476,7 +13590,7 @@
               </a:defRPr>
             </a:pPr>
             <a:r>
-              <a:t>An image is a read-only layered filesystem containing everything needed to run an application: base OS files, application code, runtime environments, and system libraries.</a:t>
+              <a:t>Understanding this architecture clarifies how Docker operates.</a:t>
             </a:r>
           </a:p>
           <a:p>
@@ -13494,7 +13608,7 @@
               </a:defRPr>
             </a:pPr>
             <a:r>
-              <a:t>Registries are repositories that store and serve these images.</a:t>
+              <a:t>At the foundation, the Docker daemon (dockerd) runs as a persistent background service, managing Docker objects like images, containers, networks, and volumes.</a:t>
             </a:r>
           </a:p>
           <a:p>
@@ -13512,7 +13626,25 @@
               </a:defRPr>
             </a:pPr>
             <a:r>
-              <a:t>Docker Hub is the public registry hosting millions of images, while organizations may operate private registries for proprietary applications.</a:t>
+              <a:t>The Docker CLI (docker) provides the familiar command-line interface.</a:t>
+            </a:r>
+          </a:p>
+          <a:p>
+            <a:pPr>
+              <a:spcBef>
+                <a:spcPts val="800"/>
+              </a:spcBef>
+              <a:spcAft>
+                <a:spcPts val="800"/>
+              </a:spcAft>
+              <a:defRPr sz="2000">
+                <a:solidFill>
+                  <a:srgbClr val="FFFFFF"/>
+                </a:solidFill>
+              </a:defRPr>
+            </a:pPr>
+            <a:r>
+              <a:t>When you run a command, it translates this into API calls to the daemon.</a:t>
             </a:r>
           </a:p>
         </p:txBody>
@@ -13597,7 +13729,7 @@
               </a:defRPr>
             </a:pPr>
             <a:r>
-              <a:t>5.2. Running a Container</a:t>
+              <a:t>5.1. Docker Architecture Components (Part 2)</a:t>
             </a:r>
           </a:p>
         </p:txBody>
@@ -13638,7 +13770,7 @@
               </a:defRPr>
             </a:pPr>
             <a:r>
-              <a:t>Breaking this command down: -d runs the container detached (in the background).</a:t>
+              <a:t>Docker Images serve as the templates from which containers instantiate.</a:t>
             </a:r>
           </a:p>
           <a:p>
@@ -13656,7 +13788,7 @@
               </a:defRPr>
             </a:pPr>
             <a:r>
-              <a:t>--name web assigns a meaningful name, avoiding random identifiers.</a:t>
+              <a:t>An image is a read-only layered filesystem containing everything needed to run an application: base OS files, application code, runtime environments, and system libraries.</a:t>
             </a:r>
           </a:p>
           <a:p>
@@ -13674,7 +13806,7 @@
               </a:defRPr>
             </a:pPr>
             <a:r>
-              <a:t>-p 8080:80 maps host port 8080 to container port 80, making the web server accessible at http://localhost:8080.</a:t>
+              <a:t>Registries are repositories that store and serve these images.</a:t>
             </a:r>
           </a:p>
           <a:p>
@@ -13692,7 +13824,7 @@
               </a:defRPr>
             </a:pPr>
             <a:r>
-              <a:t>The argument nginx specifies the image name; Docker pulls nginx:latest from Docker Hub by default.</a:t>
+              <a:t>Docker Hub is the public registry hosting millions of images, while organizations may operate private registries for proprietary applications.</a:t>
             </a:r>
           </a:p>
         </p:txBody>
@@ -13777,7 +13909,7 @@
               </a:defRPr>
             </a:pPr>
             <a:r>
-              <a:t>5.3. Managing Container Lifecycle</a:t>
+              <a:t>5.2. Running a Container</a:t>
             </a:r>
           </a:p>
         </p:txBody>
@@ -13818,7 +13950,61 @@
               </a:defRPr>
             </a:pPr>
             <a:r>
-              <a:t>Managing running containers involves a set of essential commands for inspection and control.</a:t>
+              <a:t>Breaking this command down: -d runs the container detached (in the background).</a:t>
+            </a:r>
+          </a:p>
+          <a:p>
+            <a:pPr>
+              <a:spcBef>
+                <a:spcPts val="800"/>
+              </a:spcBef>
+              <a:spcAft>
+                <a:spcPts val="800"/>
+              </a:spcAft>
+              <a:defRPr sz="2000">
+                <a:solidFill>
+                  <a:srgbClr val="FFFFFF"/>
+                </a:solidFill>
+              </a:defRPr>
+            </a:pPr>
+            <a:r>
+              <a:t>--name web assigns a meaningful name, avoiding random identifiers.</a:t>
+            </a:r>
+          </a:p>
+          <a:p>
+            <a:pPr>
+              <a:spcBef>
+                <a:spcPts val="800"/>
+              </a:spcBef>
+              <a:spcAft>
+                <a:spcPts val="800"/>
+              </a:spcAft>
+              <a:defRPr sz="2000">
+                <a:solidFill>
+                  <a:srgbClr val="FFFFFF"/>
+                </a:solidFill>
+              </a:defRPr>
+            </a:pPr>
+            <a:r>
+              <a:t>-p 8080:80 maps host port 8080 to container port 80, making the web server accessible at http://localhost:8080.</a:t>
+            </a:r>
+          </a:p>
+          <a:p>
+            <a:pPr>
+              <a:spcBef>
+                <a:spcPts val="800"/>
+              </a:spcBef>
+              <a:spcAft>
+                <a:spcPts val="800"/>
+              </a:spcAft>
+              <a:defRPr sz="2000">
+                <a:solidFill>
+                  <a:srgbClr val="FFFFFF"/>
+                </a:solidFill>
+              </a:defRPr>
+            </a:pPr>
+            <a:r>
+              <a:t>The argument nginx specifies the image name; Docker pulls nginx:latest from Docker Hub by default.</a:t>
             </a:r>
           </a:p>
         </p:txBody>
@@ -13903,7 +14089,7 @@
               </a:defRPr>
             </a:pPr>
             <a:r>
-              <a:t>5.4. Inspecting and Debugging</a:t>
+              <a:t>5.3. Managing Container Lifecycle</a:t>
             </a:r>
           </a:p>
         </p:txBody>
@@ -13944,25 +14130,7 @@
               </a:defRPr>
             </a:pPr>
             <a:r>
-              <a:t>The docker exec command is particularly useful for troubleshooting. It allows you to execute commands inside a running container. The -it flags allocate an interactive pseudo-TTY, giving you a shell prompt inside the container to inspect processes or check configurations.</a:t>
-            </a:r>
-          </a:p>
-          <a:p>
-            <a:pPr>
-              <a:spcBef>
-                <a:spcPts val="800"/>
-              </a:spcBef>
-              <a:spcAft>
-                <a:spcPts val="800"/>
-              </a:spcAft>
-              <a:defRPr sz="2000">
-                <a:solidFill>
-                  <a:srgbClr val="FFFFFF"/>
-                </a:solidFill>
-              </a:defRPr>
-            </a:pPr>
-            <a:r>
-              <a:t>Resource usage can be monitored using docker stats, which provides real-time information on CPU, memory, and network usage for running containers.</a:t>
+              <a:t>Managing running containers involves a set of essential commands for inspection and control.</a:t>
             </a:r>
           </a:p>
         </p:txBody>
@@ -14047,7 +14215,7 @@
               </a:defRPr>
             </a:pPr>
             <a:r>
-              <a:t>5.5. Building Custom Images with Dockerfiles</a:t>
+              <a:t>5.4. Inspecting and Debugging</a:t>
             </a:r>
           </a:p>
         </p:txBody>
@@ -14088,7 +14256,7 @@
               </a:defRPr>
             </a:pPr>
             <a:r>
-              <a:t>Each instruction has a specific purpose.</a:t>
+              <a:t>The docker exec command is particularly useful for troubleshooting. It allows you to execute commands inside a running container. The -it flags allocate an interactive pseudo-TTY, giving you a shell prompt inside the container to inspect processes or check configurations.</a:t>
             </a:r>
           </a:p>
           <a:p>
@@ -14106,61 +14274,7 @@
               </a:defRPr>
             </a:pPr>
             <a:r>
-              <a:t>FROM establishes the base image.</a:t>
-            </a:r>
-          </a:p>
-          <a:p>
-            <a:pPr>
-              <a:spcBef>
-                <a:spcPts val="800"/>
-              </a:spcBef>
-              <a:spcAft>
-                <a:spcPts val="800"/>
-              </a:spcAft>
-              <a:defRPr sz="2000">
-                <a:solidFill>
-                  <a:srgbClr val="FFFFFF"/>
-                </a:solidFill>
-              </a:defRPr>
-            </a:pPr>
-            <a:r>
-              <a:t>WORKDIR sets the working directory.</a:t>
-            </a:r>
-          </a:p>
-          <a:p>
-            <a:pPr>
-              <a:spcBef>
-                <a:spcPts val="800"/>
-              </a:spcBef>
-              <a:spcAft>
-                <a:spcPts val="800"/>
-              </a:spcAft>
-              <a:defRPr sz="2000">
-                <a:solidFill>
-                  <a:srgbClr val="FFFFFF"/>
-                </a:solidFill>
-              </a:defRPr>
-            </a:pPr>
-            <a:r>
-              <a:t>The sequence of copying requirements.txt before the rest of the code leverages layer caching: if your application code changes but your dependencies do not, Docker reuses the layer where dependencies are installed, significantly speeding up rebuilds.</a:t>
-            </a:r>
-          </a:p>
-          <a:p>
-            <a:pPr>
-              <a:spcBef>
-                <a:spcPts val="800"/>
-              </a:spcBef>
-              <a:spcAft>
-                <a:spcPts val="800"/>
-              </a:spcAft>
-              <a:defRPr sz="2000">
-                <a:solidFill>
-                  <a:srgbClr val="FFFFFF"/>
-                </a:solidFill>
-              </a:defRPr>
-            </a:pPr>
-            <a:r>
-              <a:t>USER switches to a non-privileged user, a critical security best practice.</a:t>
+              <a:t>Resource usage can be monitored using docker stats, which provides real-time information on CPU, memory, and network usage for running containers.</a:t>
             </a:r>
           </a:p>
         </p:txBody>
@@ -14245,7 +14359,7 @@
               </a:defRPr>
             </a:pPr>
             <a:r>
-              <a:t>5.6. Section 5 Checkpoint (Part 1)</a:t>
+              <a:t>5.5. Building Custom Images with Dockerfiles</a:t>
             </a:r>
           </a:p>
         </p:txBody>
@@ -14286,7 +14400,7 @@
               </a:defRPr>
             </a:pPr>
             <a:r>
-              <a:t>Images: Read-only layers containing the app.</a:t>
+              <a:t>Each instruction has a specific purpose.</a:t>
             </a:r>
           </a:p>
           <a:p>
@@ -14304,7 +14418,7 @@
               </a:defRPr>
             </a:pPr>
             <a:r>
-              <a:t>Containers: Runnable instances of images.</a:t>
+              <a:t>FROM establishes the base image.</a:t>
             </a:r>
           </a:p>
           <a:p>
@@ -14322,7 +14436,7 @@
               </a:defRPr>
             </a:pPr>
             <a:r>
-              <a:t>Dockerfile: Recipe for building images.</a:t>
+              <a:t>WORKDIR sets the working directory.</a:t>
             </a:r>
           </a:p>
           <a:p>
@@ -14340,7 +14454,7 @@
               </a:defRPr>
             </a:pPr>
             <a:r>
-              <a:t>Why do we put the dependencies copy/install step before copying the app code in a Dockerfile?</a:t>
+              <a:t>The sequence of copying requirements.txt before the rest of the code leverages layer caching: if your application code changes but your dependencies do not, Docker reuses the layer where dependencies are installed, significantly speeding up rebuilds.</a:t>
             </a:r>
           </a:p>
           <a:p>
@@ -14358,7 +14472,7 @@
               </a:defRPr>
             </a:pPr>
             <a:r>
-              <a:t>What happens to data inside a Docker container when you delete it?</a:t>
+              <a:t>USER switches to a non-privileged user, a critical security best practice.</a:t>
             </a:r>
           </a:p>
         </p:txBody>
@@ -14443,7 +14557,7 @@
               </a:defRPr>
             </a:pPr>
             <a:r>
-              <a:t>5.6. Section 5 Checkpoint (Part 2)</a:t>
+              <a:t>5.6. Section 5 Checkpoint (Part 1)</a:t>
             </a:r>
           </a:p>
         </p:txBody>
@@ -14484,7 +14598,79 @@
               </a:defRPr>
             </a:pPr>
             <a:r>
-              <a:t>Docker Curriculum</a:t>
+              <a:t>Images: Read-only layers containing the app.</a:t>
+            </a:r>
+          </a:p>
+          <a:p>
+            <a:pPr>
+              <a:spcBef>
+                <a:spcPts val="800"/>
+              </a:spcBef>
+              <a:spcAft>
+                <a:spcPts val="800"/>
+              </a:spcAft>
+              <a:defRPr sz="2000">
+                <a:solidFill>
+                  <a:srgbClr val="FFFFFF"/>
+                </a:solidFill>
+              </a:defRPr>
+            </a:pPr>
+            <a:r>
+              <a:t>Containers: Runnable instances of images.</a:t>
+            </a:r>
+          </a:p>
+          <a:p>
+            <a:pPr>
+              <a:spcBef>
+                <a:spcPts val="800"/>
+              </a:spcBef>
+              <a:spcAft>
+                <a:spcPts val="800"/>
+              </a:spcAft>
+              <a:defRPr sz="2000">
+                <a:solidFill>
+                  <a:srgbClr val="FFFFFF"/>
+                </a:solidFill>
+              </a:defRPr>
+            </a:pPr>
+            <a:r>
+              <a:t>Dockerfile: Recipe for building images.</a:t>
+            </a:r>
+          </a:p>
+          <a:p>
+            <a:pPr>
+              <a:spcBef>
+                <a:spcPts val="800"/>
+              </a:spcBef>
+              <a:spcAft>
+                <a:spcPts val="800"/>
+              </a:spcAft>
+              <a:defRPr sz="2000">
+                <a:solidFill>
+                  <a:srgbClr val="FFFFFF"/>
+                </a:solidFill>
+              </a:defRPr>
+            </a:pPr>
+            <a:r>
+              <a:t>Why do we put the dependencies copy/install step before copying the app code in a Dockerfile?</a:t>
+            </a:r>
+          </a:p>
+          <a:p>
+            <a:pPr>
+              <a:spcBef>
+                <a:spcPts val="800"/>
+              </a:spcBef>
+              <a:spcAft>
+                <a:spcPts val="800"/>
+              </a:spcAft>
+              <a:defRPr sz="2000">
+                <a:solidFill>
+                  <a:srgbClr val="FFFFFF"/>
+                </a:solidFill>
+              </a:defRPr>
+            </a:pPr>
+            <a:r>
+              <a:t>What happens to data inside a Docker container when you delete it?</a:t>
             </a:r>
           </a:p>
         </p:txBody>
@@ -14498,6 +14684,132 @@
 </file>
 
 <file path=ppt/slides/slide48.xml><?xml version="1.0" encoding="utf-8"?>
+<p:sld xmlns:a="http://schemas.openxmlformats.org/drawingml/2006/main" xmlns:p="http://schemas.openxmlformats.org/presentationml/2006/main" xmlns:r="http://schemas.openxmlformats.org/officeDocument/2006/relationships">
+  <p:cSld>
+    <p:bg>
+      <p:bgPr>
+        <a:solidFill>
+          <a:srgbClr val="142A46"/>
+        </a:solidFill>
+        <a:effectLst/>
+      </p:bgPr>
+    </p:bg>
+    <p:spTree>
+      <p:nvGrpSpPr>
+        <p:cNvPr id="1" name=""/>
+        <p:cNvGrpSpPr/>
+        <p:nvPr/>
+      </p:nvGrpSpPr>
+      <p:grpSpPr/>
+      <p:pic>
+        <p:nvPicPr>
+          <p:cNvPr id="2" name="Picture 1" descr="ops3_logo.png"/>
+          <p:cNvPicPr>
+            <a:picLocks noChangeAspect="1"/>
+          </p:cNvPicPr>
+          <p:nvPr/>
+        </p:nvPicPr>
+        <p:blipFill>
+          <a:blip r:embed="rId2"/>
+          <a:stretch>
+            <a:fillRect/>
+          </a:stretch>
+        </p:blipFill>
+        <p:spPr>
+          <a:xfrm>
+            <a:off x="274320" y="274320"/>
+            <a:ext cx="581649" cy="548640"/>
+          </a:xfrm>
+          <a:prstGeom prst="rect">
+            <a:avLst/>
+          </a:prstGeom>
+        </p:spPr>
+      </p:pic>
+      <p:sp>
+        <p:nvSpPr>
+          <p:cNvPr id="3" name="TextBox 2"/>
+          <p:cNvSpPr txBox="1"/>
+          <p:nvPr/>
+        </p:nvSpPr>
+        <p:spPr>
+          <a:xfrm>
+            <a:off x="457200" y="914400"/>
+            <a:ext cx="8229600" cy="640080"/>
+          </a:xfrm>
+          <a:prstGeom prst="rect">
+            <a:avLst/>
+          </a:prstGeom>
+          <a:noFill/>
+        </p:spPr>
+        <p:txBody>
+          <a:bodyPr wrap="none">
+            <a:spAutoFit/>
+          </a:bodyPr>
+          <a:lstStyle/>
+          <a:p>
+            <a:pPr>
+              <a:defRPr sz="3200" b="1">
+                <a:solidFill>
+                  <a:srgbClr val="C9984A"/>
+                </a:solidFill>
+              </a:defRPr>
+            </a:pPr>
+            <a:r>
+              <a:t>5.6. Section 5 Checkpoint (Part 2)</a:t>
+            </a:r>
+          </a:p>
+        </p:txBody>
+      </p:sp>
+      <p:sp>
+        <p:nvSpPr>
+          <p:cNvPr id="4" name="TextBox 3"/>
+          <p:cNvSpPr txBox="1"/>
+          <p:nvPr/>
+        </p:nvSpPr>
+        <p:spPr>
+          <a:xfrm>
+            <a:off x="731520" y="1737360"/>
+            <a:ext cx="7680960" cy="4389120"/>
+          </a:xfrm>
+          <a:prstGeom prst="rect">
+            <a:avLst/>
+          </a:prstGeom>
+          <a:noFill/>
+        </p:spPr>
+        <p:txBody>
+          <a:bodyPr wrap="square">
+            <a:spAutoFit/>
+          </a:bodyPr>
+          <a:lstStyle/>
+          <a:p>
+            <a:pPr>
+              <a:spcBef>
+                <a:spcPts val="800"/>
+              </a:spcBef>
+              <a:spcAft>
+                <a:spcPts val="800"/>
+              </a:spcAft>
+              <a:defRPr sz="2000">
+                <a:solidFill>
+                  <a:srgbClr val="FFFFFF"/>
+                </a:solidFill>
+              </a:defRPr>
+            </a:pPr>
+            <a:r>
+              <a:t>Docker Curriculum</a:t>
+            </a:r>
+          </a:p>
+        </p:txBody>
+      </p:sp>
+    </p:spTree>
+  </p:cSld>
+  <p:clrMapOvr>
+    <a:masterClrMapping/>
+  </p:clrMapOvr>
+</p:sld>
+</file>
+
+<file path=ppt/slides/slide49.xml><?xml version="1.0" encoding="utf-8"?>
 <p:sld xmlns:a="http://schemas.openxmlformats.org/drawingml/2006/main" xmlns:p="http://schemas.openxmlformats.org/presentationml/2006/main" xmlns:r="http://schemas.openxmlformats.org/officeDocument/2006/relationships">
   <p:cSld>
     <p:bg>
@@ -14582,13 +14894,13 @@
 </p:sld>
 </file>
 
-<file path=ppt/slides/slide49.xml><?xml version="1.0" encoding="utf-8"?>
+<file path=ppt/slides/slide5.xml><?xml version="1.0" encoding="utf-8"?>
 <p:sld xmlns:a="http://schemas.openxmlformats.org/drawingml/2006/main" xmlns:p="http://schemas.openxmlformats.org/presentationml/2006/main" xmlns:r="http://schemas.openxmlformats.org/officeDocument/2006/relationships">
   <p:cSld>
     <p:bg>
       <p:bgPr>
         <a:solidFill>
-          <a:srgbClr val="142A46"/>
+          <a:srgbClr val="1E3A5F"/>
         </a:solidFill>
         <a:effectLst/>
       </p:bgPr>
@@ -14632,43 +14944,8 @@
         </p:nvSpPr>
         <p:spPr>
           <a:xfrm>
-            <a:off x="457200" y="914400"/>
-            <a:ext cx="8229600" cy="640080"/>
-          </a:xfrm>
-          <a:prstGeom prst="rect">
-            <a:avLst/>
-          </a:prstGeom>
-          <a:noFill/>
-        </p:spPr>
-        <p:txBody>
-          <a:bodyPr wrap="none">
-            <a:spAutoFit/>
-          </a:bodyPr>
-          <a:lstStyle/>
-          <a:p>
-            <a:pPr>
-              <a:defRPr sz="3200" b="1">
-                <a:solidFill>
-                  <a:srgbClr val="C9984A"/>
-                </a:solidFill>
-              </a:defRPr>
-            </a:pPr>
-            <a:r>
-              <a:t>6.1. Running a Container (Rootless)</a:t>
-            </a:r>
-          </a:p>
-        </p:txBody>
-      </p:sp>
-      <p:sp>
-        <p:nvSpPr>
-          <p:cNvPr id="4" name="TextBox 3"/>
-          <p:cNvSpPr txBox="1"/>
-          <p:nvPr/>
-        </p:nvSpPr>
-        <p:spPr>
-          <a:xfrm>
-            <a:off x="731520" y="1737360"/>
-            <a:ext cx="7680960" cy="4389120"/>
+            <a:off x="914400" y="2286000"/>
+            <a:ext cx="7315200" cy="1828800"/>
           </a:xfrm>
           <a:prstGeom prst="rect">
             <a:avLst/>
@@ -14681,219 +14958,15 @@
           </a:bodyPr>
           <a:lstStyle/>
           <a:p>
-            <a:pPr>
-              <a:spcBef>
-                <a:spcPts val="800"/>
-              </a:spcBef>
-              <a:spcAft>
-                <a:spcPts val="800"/>
-              </a:spcAft>
-              <a:defRPr sz="2000">
-                <a:solidFill>
-                  <a:srgbClr val="FFFFFF"/>
-                </a:solidFill>
-              </a:defRPr>
-            </a:pPr>
-            <a:r>
-              <a:t>By default, Podman runs containers as the user who invoked the command, mapping the user's UID to root inside the container. This is a significant security advantage.</a:t>
-            </a:r>
-          </a:p>
-        </p:txBody>
-      </p:sp>
-    </p:spTree>
-  </p:cSld>
-  <p:clrMapOvr>
-    <a:masterClrMapping/>
-  </p:clrMapOvr>
-</p:sld>
-</file>
-
-<file path=ppt/slides/slide5.xml><?xml version="1.0" encoding="utf-8"?>
-<p:sld xmlns:a="http://schemas.openxmlformats.org/drawingml/2006/main" xmlns:p="http://schemas.openxmlformats.org/presentationml/2006/main" xmlns:r="http://schemas.openxmlformats.org/officeDocument/2006/relationships">
-  <p:cSld>
-    <p:bg>
-      <p:bgPr>
-        <a:solidFill>
-          <a:srgbClr val="142A46"/>
-        </a:solidFill>
-        <a:effectLst/>
-      </p:bgPr>
-    </p:bg>
-    <p:spTree>
-      <p:nvGrpSpPr>
-        <p:cNvPr id="1" name=""/>
-        <p:cNvGrpSpPr/>
-        <p:nvPr/>
-      </p:nvGrpSpPr>
-      <p:grpSpPr/>
-      <p:pic>
-        <p:nvPicPr>
-          <p:cNvPr id="2" name="Picture 1" descr="ops3_logo.png"/>
-          <p:cNvPicPr>
-            <a:picLocks noChangeAspect="1"/>
-          </p:cNvPicPr>
-          <p:nvPr/>
-        </p:nvPicPr>
-        <p:blipFill>
-          <a:blip r:embed="rId2"/>
-          <a:stretch>
-            <a:fillRect/>
-          </a:stretch>
-        </p:blipFill>
-        <p:spPr>
-          <a:xfrm>
-            <a:off x="274320" y="274320"/>
-            <a:ext cx="581649" cy="548640"/>
-          </a:xfrm>
-          <a:prstGeom prst="rect">
-            <a:avLst/>
-          </a:prstGeom>
-        </p:spPr>
-      </p:pic>
-      <p:sp>
-        <p:nvSpPr>
-          <p:cNvPr id="3" name="TextBox 2"/>
-          <p:cNvSpPr txBox="1"/>
-          <p:nvPr/>
-        </p:nvSpPr>
-        <p:spPr>
-          <a:xfrm>
-            <a:off x="457200" y="914400"/>
-            <a:ext cx="8229600" cy="640080"/>
-          </a:xfrm>
-          <a:prstGeom prst="rect">
-            <a:avLst/>
-          </a:prstGeom>
-          <a:noFill/>
-        </p:spPr>
-        <p:txBody>
-          <a:bodyPr wrap="none">
-            <a:spAutoFit/>
-          </a:bodyPr>
-          <a:lstStyle/>
-          <a:p>
-            <a:pPr>
-              <a:defRPr sz="3200" b="1">
+            <a:pPr algn="ctr">
+              <a:defRPr sz="4800" b="1">
                 <a:solidFill>
                   <a:srgbClr val="C9984A"/>
                 </a:solidFill>
               </a:defRPr>
             </a:pPr>
             <a:r>
-              <a:t>1.1. The Foundation: Namespaces and Control Groups (Part 1)</a:t>
-            </a:r>
-          </a:p>
-        </p:txBody>
-      </p:sp>
-      <p:sp>
-        <p:nvSpPr>
-          <p:cNvPr id="4" name="TextBox 3"/>
-          <p:cNvSpPr txBox="1"/>
-          <p:nvPr/>
-        </p:nvSpPr>
-        <p:spPr>
-          <a:xfrm>
-            <a:off x="731520" y="1737360"/>
-            <a:ext cx="7680960" cy="4389120"/>
-          </a:xfrm>
-          <a:prstGeom prst="rect">
-            <a:avLst/>
-          </a:prstGeom>
-          <a:noFill/>
-        </p:spPr>
-        <p:txBody>
-          <a:bodyPr wrap="square">
-            <a:spAutoFit/>
-          </a:bodyPr>
-          <a:lstStyle/>
-          <a:p>
-            <a:pPr>
-              <a:spcBef>
-                <a:spcPts val="800"/>
-              </a:spcBef>
-              <a:spcAft>
-                <a:spcPts val="800"/>
-              </a:spcAft>
-              <a:defRPr sz="2000">
-                <a:solidFill>
-                  <a:srgbClr val="FFFFFF"/>
-                </a:solidFill>
-              </a:defRPr>
-            </a:pPr>
-            <a:r>
-              <a:t>Linux namespaces provide the fundamental isolation mechanism enabling containers.</a:t>
-            </a:r>
-          </a:p>
-          <a:p>
-            <a:pPr>
-              <a:spcBef>
-                <a:spcPts val="800"/>
-              </a:spcBef>
-              <a:spcAft>
-                <a:spcPts val="800"/>
-              </a:spcAft>
-              <a:defRPr sz="2000">
-                <a:solidFill>
-                  <a:srgbClr val="FFFFFF"/>
-                </a:solidFill>
-              </a:defRPr>
-            </a:pPr>
-            <a:r>
-              <a:t>Each namespace type isolates a different aspect of the system.</a:t>
-            </a:r>
-          </a:p>
-          <a:p>
-            <a:pPr>
-              <a:spcBef>
-                <a:spcPts val="800"/>
-              </a:spcBef>
-              <a:spcAft>
-                <a:spcPts val="800"/>
-              </a:spcAft>
-              <a:defRPr sz="2000">
-                <a:solidFill>
-                  <a:srgbClr val="FFFFFF"/>
-                </a:solidFill>
-              </a:defRPr>
-            </a:pPr>
-            <a:r>
-              <a:t>The PID (Process ID) Namespace isolates the process tree.</a:t>
-            </a:r>
-          </a:p>
-          <a:p>
-            <a:pPr>
-              <a:spcBef>
-                <a:spcPts val="800"/>
-              </a:spcBef>
-              <a:spcAft>
-                <a:spcPts val="800"/>
-              </a:spcAft>
-              <a:defRPr sz="2000">
-                <a:solidFill>
-                  <a:srgbClr val="FFFFFF"/>
-                </a:solidFill>
-              </a:defRPr>
-            </a:pPr>
-            <a:r>
-              <a:t>On a normal Linux system, all processes share a single process ID space.</a:t>
-            </a:r>
-          </a:p>
-          <a:p>
-            <a:pPr>
-              <a:spcBef>
-                <a:spcPts val="800"/>
-              </a:spcBef>
-              <a:spcAft>
-                <a:spcPts val="800"/>
-              </a:spcAft>
-              <a:defRPr sz="2000">
-                <a:solidFill>
-                  <a:srgbClr val="FFFFFF"/>
-                </a:solidFill>
-              </a:defRPr>
-            </a:pPr>
-            <a:r>
-              <a:t>With PID namespaces, each namespace has its own isolated process tree.</a:t>
+              <a:t>1. The Container Paradigm</a:t>
             </a:r>
           </a:p>
         </p:txBody>
@@ -14978,7 +15051,7 @@
               </a:defRPr>
             </a:pPr>
             <a:r>
-              <a:t>6.2. Pods</a:t>
+              <a:t>6.1. Running a Container (Rootless)</a:t>
             </a:r>
           </a:p>
         </p:txBody>
@@ -15019,7 +15092,7 @@
               </a:defRPr>
             </a:pPr>
             <a:r>
-              <a:t>Podman allows you to manage "Pods" locally. A Pod is a group of containers that share the same network namespace (localhost), a concept directly compatible with Kubernetes.</a:t>
+              <a:t>By default, Podman runs containers as the user who invoked the command, mapping the user's UID to root inside the container. This is a significant security advantage.</a:t>
             </a:r>
           </a:p>
         </p:txBody>
@@ -15104,7 +15177,7 @@
               </a:defRPr>
             </a:pPr>
             <a:r>
-              <a:t>6.3. Section 6 Checkpoint (Part 1)</a:t>
+              <a:t>6.2. Pods</a:t>
             </a:r>
           </a:p>
         </p:txBody>
@@ -15145,79 +15218,7 @@
               </a:defRPr>
             </a:pPr>
             <a:r>
-              <a:t>Daemonless: Podman runs as the user process, avoiding the "Root Daemon" risk.</a:t>
-            </a:r>
-          </a:p>
-          <a:p>
-            <a:pPr>
-              <a:spcBef>
-                <a:spcPts val="800"/>
-              </a:spcBef>
-              <a:spcAft>
-                <a:spcPts val="800"/>
-              </a:spcAft>
-              <a:defRPr sz="2000">
-                <a:solidFill>
-                  <a:srgbClr val="FFFFFF"/>
-                </a:solidFill>
-              </a:defRPr>
-            </a:pPr>
-            <a:r>
-              <a:t>Rootless: Allows unprivileged users to run containers safely.</a:t>
-            </a:r>
-          </a:p>
-          <a:p>
-            <a:pPr>
-              <a:spcBef>
-                <a:spcPts val="800"/>
-              </a:spcBef>
-              <a:spcAft>
-                <a:spcPts val="800"/>
-              </a:spcAft>
-              <a:defRPr sz="2000">
-                <a:solidFill>
-                  <a:srgbClr val="FFFFFF"/>
-                </a:solidFill>
-              </a:defRPr>
-            </a:pPr>
-            <a:r>
-              <a:t>Pods: Groups of containers sharing a network namespace (localhost).</a:t>
-            </a:r>
-          </a:p>
-          <a:p>
-            <a:pPr>
-              <a:spcBef>
-                <a:spcPts val="800"/>
-              </a:spcBef>
-              <a:spcAft>
-                <a:spcPts val="800"/>
-              </a:spcAft>
-              <a:defRPr sz="2000">
-                <a:solidFill>
-                  <a:srgbClr val="FFFFFF"/>
-                </a:solidFill>
-              </a:defRPr>
-            </a:pPr>
-            <a:r>
-              <a:t>How can a rootless container bind to port 80 (privileged port)?</a:t>
-            </a:r>
-          </a:p>
-          <a:p>
-            <a:pPr>
-              <a:spcBef>
-                <a:spcPts val="800"/>
-              </a:spcBef>
-              <a:spcAft>
-                <a:spcPts val="800"/>
-              </a:spcAft>
-              <a:defRPr sz="2000">
-                <a:solidFill>
-                  <a:srgbClr val="FFFFFF"/>
-                </a:solidFill>
-              </a:defRPr>
-            </a:pPr>
-            <a:r>
-              <a:t>Why is Podman considered "Kubernetes-friendly"?</a:t>
+              <a:t>Podman allows you to manage "Pods" locally. A Pod is a group of containers that share the same network namespace (localhost), a concept directly compatible with Kubernetes.</a:t>
             </a:r>
           </a:p>
         </p:txBody>
@@ -15302,7 +15303,7 @@
               </a:defRPr>
             </a:pPr>
             <a:r>
-              <a:t>6.3. Section 6 Checkpoint (Part 2)</a:t>
+              <a:t>6.3. Section 6 Checkpoint (Part 1)</a:t>
             </a:r>
           </a:p>
         </p:txBody>
@@ -15343,7 +15344,79 @@
               </a:defRPr>
             </a:pPr>
             <a:r>
-              <a:t>Podman: Getting Started</a:t>
+              <a:t>Daemonless: Podman runs as the user process, avoiding the "Root Daemon" risk.</a:t>
+            </a:r>
+          </a:p>
+          <a:p>
+            <a:pPr>
+              <a:spcBef>
+                <a:spcPts val="800"/>
+              </a:spcBef>
+              <a:spcAft>
+                <a:spcPts val="800"/>
+              </a:spcAft>
+              <a:defRPr sz="2000">
+                <a:solidFill>
+                  <a:srgbClr val="FFFFFF"/>
+                </a:solidFill>
+              </a:defRPr>
+            </a:pPr>
+            <a:r>
+              <a:t>Rootless: Allows unprivileged users to run containers safely.</a:t>
+            </a:r>
+          </a:p>
+          <a:p>
+            <a:pPr>
+              <a:spcBef>
+                <a:spcPts val="800"/>
+              </a:spcBef>
+              <a:spcAft>
+                <a:spcPts val="800"/>
+              </a:spcAft>
+              <a:defRPr sz="2000">
+                <a:solidFill>
+                  <a:srgbClr val="FFFFFF"/>
+                </a:solidFill>
+              </a:defRPr>
+            </a:pPr>
+            <a:r>
+              <a:t>Pods: Groups of containers sharing a network namespace (localhost).</a:t>
+            </a:r>
+          </a:p>
+          <a:p>
+            <a:pPr>
+              <a:spcBef>
+                <a:spcPts val="800"/>
+              </a:spcBef>
+              <a:spcAft>
+                <a:spcPts val="800"/>
+              </a:spcAft>
+              <a:defRPr sz="2000">
+                <a:solidFill>
+                  <a:srgbClr val="FFFFFF"/>
+                </a:solidFill>
+              </a:defRPr>
+            </a:pPr>
+            <a:r>
+              <a:t>How can a rootless container bind to port 80 (privileged port)?</a:t>
+            </a:r>
+          </a:p>
+          <a:p>
+            <a:pPr>
+              <a:spcBef>
+                <a:spcPts val="800"/>
+              </a:spcBef>
+              <a:spcAft>
+                <a:spcPts val="800"/>
+              </a:spcAft>
+              <a:defRPr sz="2000">
+                <a:solidFill>
+                  <a:srgbClr val="FFFFFF"/>
+                </a:solidFill>
+              </a:defRPr>
+            </a:pPr>
+            <a:r>
+              <a:t>Why is Podman considered "Kubernetes-friendly"?</a:t>
             </a:r>
           </a:p>
         </p:txBody>
@@ -15357,6 +15430,132 @@
 </file>
 
 <file path=ppt/slides/slide53.xml><?xml version="1.0" encoding="utf-8"?>
+<p:sld xmlns:a="http://schemas.openxmlformats.org/drawingml/2006/main" xmlns:p="http://schemas.openxmlformats.org/presentationml/2006/main" xmlns:r="http://schemas.openxmlformats.org/officeDocument/2006/relationships">
+  <p:cSld>
+    <p:bg>
+      <p:bgPr>
+        <a:solidFill>
+          <a:srgbClr val="142A46"/>
+        </a:solidFill>
+        <a:effectLst/>
+      </p:bgPr>
+    </p:bg>
+    <p:spTree>
+      <p:nvGrpSpPr>
+        <p:cNvPr id="1" name=""/>
+        <p:cNvGrpSpPr/>
+        <p:nvPr/>
+      </p:nvGrpSpPr>
+      <p:grpSpPr/>
+      <p:pic>
+        <p:nvPicPr>
+          <p:cNvPr id="2" name="Picture 1" descr="ops3_logo.png"/>
+          <p:cNvPicPr>
+            <a:picLocks noChangeAspect="1"/>
+          </p:cNvPicPr>
+          <p:nvPr/>
+        </p:nvPicPr>
+        <p:blipFill>
+          <a:blip r:embed="rId2"/>
+          <a:stretch>
+            <a:fillRect/>
+          </a:stretch>
+        </p:blipFill>
+        <p:spPr>
+          <a:xfrm>
+            <a:off x="274320" y="274320"/>
+            <a:ext cx="581649" cy="548640"/>
+          </a:xfrm>
+          <a:prstGeom prst="rect">
+            <a:avLst/>
+          </a:prstGeom>
+        </p:spPr>
+      </p:pic>
+      <p:sp>
+        <p:nvSpPr>
+          <p:cNvPr id="3" name="TextBox 2"/>
+          <p:cNvSpPr txBox="1"/>
+          <p:nvPr/>
+        </p:nvSpPr>
+        <p:spPr>
+          <a:xfrm>
+            <a:off x="457200" y="914400"/>
+            <a:ext cx="8229600" cy="640080"/>
+          </a:xfrm>
+          <a:prstGeom prst="rect">
+            <a:avLst/>
+          </a:prstGeom>
+          <a:noFill/>
+        </p:spPr>
+        <p:txBody>
+          <a:bodyPr wrap="none">
+            <a:spAutoFit/>
+          </a:bodyPr>
+          <a:lstStyle/>
+          <a:p>
+            <a:pPr>
+              <a:defRPr sz="3200" b="1">
+                <a:solidFill>
+                  <a:srgbClr val="C9984A"/>
+                </a:solidFill>
+              </a:defRPr>
+            </a:pPr>
+            <a:r>
+              <a:t>6.3. Section 6 Checkpoint (Part 2)</a:t>
+            </a:r>
+          </a:p>
+        </p:txBody>
+      </p:sp>
+      <p:sp>
+        <p:nvSpPr>
+          <p:cNvPr id="4" name="TextBox 3"/>
+          <p:cNvSpPr txBox="1"/>
+          <p:nvPr/>
+        </p:nvSpPr>
+        <p:spPr>
+          <a:xfrm>
+            <a:off x="731520" y="1737360"/>
+            <a:ext cx="7680960" cy="4389120"/>
+          </a:xfrm>
+          <a:prstGeom prst="rect">
+            <a:avLst/>
+          </a:prstGeom>
+          <a:noFill/>
+        </p:spPr>
+        <p:txBody>
+          <a:bodyPr wrap="square">
+            <a:spAutoFit/>
+          </a:bodyPr>
+          <a:lstStyle/>
+          <a:p>
+            <a:pPr>
+              <a:spcBef>
+                <a:spcPts val="800"/>
+              </a:spcBef>
+              <a:spcAft>
+                <a:spcPts val="800"/>
+              </a:spcAft>
+              <a:defRPr sz="2000">
+                <a:solidFill>
+                  <a:srgbClr val="FFFFFF"/>
+                </a:solidFill>
+              </a:defRPr>
+            </a:pPr>
+            <a:r>
+              <a:t>Podman: Getting Started</a:t>
+            </a:r>
+          </a:p>
+        </p:txBody>
+      </p:sp>
+    </p:spTree>
+  </p:cSld>
+  <p:clrMapOvr>
+    <a:masterClrMapping/>
+  </p:clrMapOvr>
+</p:sld>
+</file>
+
+<file path=ppt/slides/slide54.xml><?xml version="1.0" encoding="utf-8"?>
 <p:sld xmlns:a="http://schemas.openxmlformats.org/drawingml/2006/main" xmlns:p="http://schemas.openxmlformats.org/presentationml/2006/main" xmlns:r="http://schemas.openxmlformats.org/officeDocument/2006/relationships">
   <p:cSld>
     <p:bg>
@@ -15429,132 +15628,6 @@
             </a:pPr>
             <a:r>
               <a:t>7. Future Preview: Kubernetes and kubectl</a:t>
-            </a:r>
-          </a:p>
-        </p:txBody>
-      </p:sp>
-    </p:spTree>
-  </p:cSld>
-  <p:clrMapOvr>
-    <a:masterClrMapping/>
-  </p:clrMapOvr>
-</p:sld>
-</file>
-
-<file path=ppt/slides/slide54.xml><?xml version="1.0" encoding="utf-8"?>
-<p:sld xmlns:a="http://schemas.openxmlformats.org/drawingml/2006/main" xmlns:p="http://schemas.openxmlformats.org/presentationml/2006/main" xmlns:r="http://schemas.openxmlformats.org/officeDocument/2006/relationships">
-  <p:cSld>
-    <p:bg>
-      <p:bgPr>
-        <a:solidFill>
-          <a:srgbClr val="142A46"/>
-        </a:solidFill>
-        <a:effectLst/>
-      </p:bgPr>
-    </p:bg>
-    <p:spTree>
-      <p:nvGrpSpPr>
-        <p:cNvPr id="1" name=""/>
-        <p:cNvGrpSpPr/>
-        <p:nvPr/>
-      </p:nvGrpSpPr>
-      <p:grpSpPr/>
-      <p:pic>
-        <p:nvPicPr>
-          <p:cNvPr id="2" name="Picture 1" descr="ops3_logo.png"/>
-          <p:cNvPicPr>
-            <a:picLocks noChangeAspect="1"/>
-          </p:cNvPicPr>
-          <p:nvPr/>
-        </p:nvPicPr>
-        <p:blipFill>
-          <a:blip r:embed="rId2"/>
-          <a:stretch>
-            <a:fillRect/>
-          </a:stretch>
-        </p:blipFill>
-        <p:spPr>
-          <a:xfrm>
-            <a:off x="274320" y="274320"/>
-            <a:ext cx="581649" cy="548640"/>
-          </a:xfrm>
-          <a:prstGeom prst="rect">
-            <a:avLst/>
-          </a:prstGeom>
-        </p:spPr>
-      </p:pic>
-      <p:sp>
-        <p:nvSpPr>
-          <p:cNvPr id="3" name="TextBox 2"/>
-          <p:cNvSpPr txBox="1"/>
-          <p:nvPr/>
-        </p:nvSpPr>
-        <p:spPr>
-          <a:xfrm>
-            <a:off x="457200" y="914400"/>
-            <a:ext cx="8229600" cy="640080"/>
-          </a:xfrm>
-          <a:prstGeom prst="rect">
-            <a:avLst/>
-          </a:prstGeom>
-          <a:noFill/>
-        </p:spPr>
-        <p:txBody>
-          <a:bodyPr wrap="none">
-            <a:spAutoFit/>
-          </a:bodyPr>
-          <a:lstStyle/>
-          <a:p>
-            <a:pPr>
-              <a:defRPr sz="3200" b="1">
-                <a:solidFill>
-                  <a:srgbClr val="C9984A"/>
-                </a:solidFill>
-              </a:defRPr>
-            </a:pPr>
-            <a:r>
-              <a:t>7.1. The Core Concepts (The K8s Dictionary)</a:t>
-            </a:r>
-          </a:p>
-        </p:txBody>
-      </p:sp>
-      <p:sp>
-        <p:nvSpPr>
-          <p:cNvPr id="4" name="TextBox 3"/>
-          <p:cNvSpPr txBox="1"/>
-          <p:nvPr/>
-        </p:nvSpPr>
-        <p:spPr>
-          <a:xfrm>
-            <a:off x="731520" y="1737360"/>
-            <a:ext cx="7680960" cy="4389120"/>
-          </a:xfrm>
-          <a:prstGeom prst="rect">
-            <a:avLst/>
-          </a:prstGeom>
-          <a:noFill/>
-        </p:spPr>
-        <p:txBody>
-          <a:bodyPr wrap="square">
-            <a:spAutoFit/>
-          </a:bodyPr>
-          <a:lstStyle/>
-          <a:p>
-            <a:pPr>
-              <a:spcBef>
-                <a:spcPts val="800"/>
-              </a:spcBef>
-              <a:spcAft>
-                <a:spcPts val="800"/>
-              </a:spcAft>
-              <a:defRPr sz="2000">
-                <a:solidFill>
-                  <a:srgbClr val="FFFFFF"/>
-                </a:solidFill>
-              </a:defRPr>
-            </a:pPr>
-            <a:r>
-              <a:t>Understanding K8s requires learning a new vocabulary, distinct from Docker's:</a:t>
             </a:r>
           </a:p>
         </p:txBody>
@@ -15639,7 +15712,7 @@
               </a:defRPr>
             </a:pPr>
             <a:r>
-              <a:t>7.2. The Control Loop (Desired State)</a:t>
+              <a:t>7.1. The Core Concepts (The K8s Dictionary)</a:t>
             </a:r>
           </a:p>
         </p:txBody>
@@ -15680,87 +15753,7 @@
               </a:defRPr>
             </a:pPr>
             <a:r>
-              <a:t>Kubernetes is Declarative.</a:t>
-            </a:r>
-          </a:p>
-          <a:p>
-            <a:pPr>
-              <a:spcBef>
-                <a:spcPts val="800"/>
-              </a:spcBef>
-              <a:spcAft>
-                <a:spcPts val="800"/>
-              </a:spcAft>
-              <a:defRPr sz="2000">
-                <a:solidFill>
-                  <a:srgbClr val="FFFFFF"/>
-                </a:solidFill>
-              </a:defRPr>
-            </a:pPr>
-            <a:r>
-              <a:t>Unlike Docker, where you say "Run this container" (Imperative), in Kubernetes you say "I want 3 Nginx Pods" (Declarative).</a:t>
-            </a:r>
-          </a:p>
-          <a:p>
-            <a:pPr>
-              <a:spcBef>
-                <a:spcPts val="800"/>
-              </a:spcBef>
-              <a:spcAft>
-                <a:spcPts val="800"/>
-              </a:spcAft>
-              <a:defRPr sz="2000">
-                <a:solidFill>
-                  <a:srgbClr val="FFFFFF"/>
-                </a:solidFill>
-              </a:defRPr>
-            </a:pPr>
-            <a:r>
-              <a:t>The Control Plane constantly checks:</a:t>
-            </a:r>
-            <a:br/>
-            <a:r>
-              <a:t>1.</a:t>
-            </a:r>
-          </a:p>
-          <a:p>
-            <a:pPr>
-              <a:spcBef>
-                <a:spcPts val="800"/>
-              </a:spcBef>
-              <a:spcAft>
-                <a:spcPts val="800"/>
-              </a:spcAft>
-              <a:defRPr sz="2000">
-                <a:solidFill>
-                  <a:srgbClr val="FFFFFF"/>
-                </a:solidFill>
-              </a:defRPr>
-            </a:pPr>
-            <a:r>
-              <a:t>What is the User's Desired State?</a:t>
-            </a:r>
-          </a:p>
-          <a:p>
-            <a:pPr>
-              <a:spcBef>
-                <a:spcPts val="800"/>
-              </a:spcBef>
-              <a:spcAft>
-                <a:spcPts val="800"/>
-              </a:spcAft>
-              <a:defRPr sz="2000">
-                <a:solidFill>
-                  <a:srgbClr val="FFFFFF"/>
-                </a:solidFill>
-              </a:defRPr>
-            </a:pPr>
-            <a:r>
-              <a:t>(3 Pods)</a:t>
-            </a:r>
-            <a:br/>
-            <a:r>
-              <a:t>2.</a:t>
+              <a:t>Understanding K8s requires learning a new vocabulary, distinct from Docker's:</a:t>
             </a:r>
           </a:p>
         </p:txBody>
@@ -15845,7 +15838,7 @@
               </a:defRPr>
             </a:pPr>
             <a:r>
-              <a:t>7.3. The kubectl CLI</a:t>
+              <a:t>7.2. The Control Loop (Desired State)</a:t>
             </a:r>
           </a:p>
         </p:txBody>
@@ -15886,7 +15879,7 @@
               </a:defRPr>
             </a:pPr>
             <a:r>
-              <a:t>Start familiarizing yourself with these commands now. You will use them extensively in Week 11.</a:t>
+              <a:t>Kubernetes is Declarative.</a:t>
             </a:r>
           </a:p>
           <a:p>
@@ -15904,7 +15897,7 @@
               </a:defRPr>
             </a:pPr>
             <a:r>
-              <a:t>1. Creating Resources (Imperative)</a:t>
+              <a:t>Unlike Docker, where you say "Run this container" (Imperative), in Kubernetes you say "I want 3 Nginx Pods" (Declarative).</a:t>
             </a:r>
           </a:p>
           <a:p>
@@ -15922,7 +15915,11 @@
               </a:defRPr>
             </a:pPr>
             <a:r>
-              <a:t>2. Inspecting Resources</a:t>
+              <a:t>The Control Plane constantly checks:</a:t>
+            </a:r>
+            <a:br/>
+            <a:r>
+              <a:t>1.</a:t>
             </a:r>
           </a:p>
           <a:p>
@@ -15940,7 +15937,7 @@
               </a:defRPr>
             </a:pPr>
             <a:r>
-              <a:t>3. Scaling Applications</a:t>
+              <a:t>What is the User's Desired State?</a:t>
             </a:r>
           </a:p>
           <a:p>
@@ -15958,7 +15955,11 @@
               </a:defRPr>
             </a:pPr>
             <a:r>
-              <a:t>4. Exposing to the World</a:t>
+              <a:t>(3 Pods)</a:t>
+            </a:r>
+            <a:br/>
+            <a:r>
+              <a:t>2.</a:t>
             </a:r>
           </a:p>
         </p:txBody>
@@ -16043,7 +16044,7 @@
               </a:defRPr>
             </a:pPr>
             <a:r>
-              <a:t>7.4. Self-Correction Checklist</a:t>
+              <a:t>7.3. The kubectl CLI</a:t>
             </a:r>
           </a:p>
         </p:txBody>
@@ -16084,7 +16085,7 @@
               </a:defRPr>
             </a:pPr>
             <a:r>
-              <a:t>Pod vs Container: A Pod wraps a container. K8s manages Pods, not containers directly.</a:t>
+              <a:t>Start familiarizing yourself with these commands now. You will use them extensively in Week 11.</a:t>
             </a:r>
           </a:p>
           <a:p>
@@ -16102,7 +16103,7 @@
               </a:defRPr>
             </a:pPr>
             <a:r>
-              <a:t>Service: Without a Service, you cannot reliably talk to a Pod because its IP changes every time it restarts.</a:t>
+              <a:t>1. Creating Resources (Imperative)</a:t>
             </a:r>
           </a:p>
           <a:p>
@@ -16120,7 +16121,43 @@
               </a:defRPr>
             </a:pPr>
             <a:r>
-              <a:t>Magnum: We will use OpenStack Magnum to build the cluster, so we don't have to manage the Master Nodes ourselves.</a:t>
+              <a:t>2. Inspecting Resources</a:t>
+            </a:r>
+          </a:p>
+          <a:p>
+            <a:pPr>
+              <a:spcBef>
+                <a:spcPts val="800"/>
+              </a:spcBef>
+              <a:spcAft>
+                <a:spcPts val="800"/>
+              </a:spcAft>
+              <a:defRPr sz="2000">
+                <a:solidFill>
+                  <a:srgbClr val="FFFFFF"/>
+                </a:solidFill>
+              </a:defRPr>
+            </a:pPr>
+            <a:r>
+              <a:t>3. Scaling Applications</a:t>
+            </a:r>
+          </a:p>
+          <a:p>
+            <a:pPr>
+              <a:spcBef>
+                <a:spcPts val="800"/>
+              </a:spcBef>
+              <a:spcAft>
+                <a:spcPts val="800"/>
+              </a:spcAft>
+              <a:defRPr sz="2000">
+                <a:solidFill>
+                  <a:srgbClr val="FFFFFF"/>
+                </a:solidFill>
+              </a:defRPr>
+            </a:pPr>
+            <a:r>
+              <a:t>4. Exposing to the World</a:t>
             </a:r>
           </a:p>
         </p:txBody>
@@ -16139,7 +16176,7 @@
     <p:bg>
       <p:bgPr>
         <a:solidFill>
-          <a:srgbClr val="1E3A5F"/>
+          <a:srgbClr val="142A46"/>
         </a:solidFill>
         <a:effectLst/>
       </p:bgPr>
@@ -16183,8 +16220,43 @@
         </p:nvSpPr>
         <p:spPr>
           <a:xfrm>
-            <a:off x="914400" y="2286000"/>
-            <a:ext cx="7315200" cy="1828800"/>
+            <a:off x="457200" y="914400"/>
+            <a:ext cx="8229600" cy="640080"/>
+          </a:xfrm>
+          <a:prstGeom prst="rect">
+            <a:avLst/>
+          </a:prstGeom>
+          <a:noFill/>
+        </p:spPr>
+        <p:txBody>
+          <a:bodyPr wrap="none">
+            <a:spAutoFit/>
+          </a:bodyPr>
+          <a:lstStyle/>
+          <a:p>
+            <a:pPr>
+              <a:defRPr sz="3200" b="1">
+                <a:solidFill>
+                  <a:srgbClr val="C9984A"/>
+                </a:solidFill>
+              </a:defRPr>
+            </a:pPr>
+            <a:r>
+              <a:t>7.4. Self-Correction Checklist</a:t>
+            </a:r>
+          </a:p>
+        </p:txBody>
+      </p:sp>
+      <p:sp>
+        <p:nvSpPr>
+          <p:cNvPr id="4" name="TextBox 3"/>
+          <p:cNvSpPr txBox="1"/>
+          <p:nvPr/>
+        </p:nvSpPr>
+        <p:spPr>
+          <a:xfrm>
+            <a:off x="731520" y="1737360"/>
+            <a:ext cx="7680960" cy="4389120"/>
           </a:xfrm>
           <a:prstGeom prst="rect">
             <a:avLst/>
@@ -16197,15 +16269,57 @@
           </a:bodyPr>
           <a:lstStyle/>
           <a:p>
-            <a:pPr algn="ctr">
-              <a:defRPr sz="4800" b="1">
-                <a:solidFill>
-                  <a:srgbClr val="C9984A"/>
-                </a:solidFill>
-              </a:defRPr>
-            </a:pPr>
-            <a:r>
-              <a:t>8. Summary</a:t>
+            <a:pPr>
+              <a:spcBef>
+                <a:spcPts val="800"/>
+              </a:spcBef>
+              <a:spcAft>
+                <a:spcPts val="800"/>
+              </a:spcAft>
+              <a:defRPr sz="2000">
+                <a:solidFill>
+                  <a:srgbClr val="FFFFFF"/>
+                </a:solidFill>
+              </a:defRPr>
+            </a:pPr>
+            <a:r>
+              <a:t>Pod vs Container: A Pod wraps a container. K8s manages Pods, not containers directly.</a:t>
+            </a:r>
+          </a:p>
+          <a:p>
+            <a:pPr>
+              <a:spcBef>
+                <a:spcPts val="800"/>
+              </a:spcBef>
+              <a:spcAft>
+                <a:spcPts val="800"/>
+              </a:spcAft>
+              <a:defRPr sz="2000">
+                <a:solidFill>
+                  <a:srgbClr val="FFFFFF"/>
+                </a:solidFill>
+              </a:defRPr>
+            </a:pPr>
+            <a:r>
+              <a:t>Service: Without a Service, you cannot reliably talk to a Pod because its IP changes every time it restarts.</a:t>
+            </a:r>
+          </a:p>
+          <a:p>
+            <a:pPr>
+              <a:spcBef>
+                <a:spcPts val="800"/>
+              </a:spcBef>
+              <a:spcAft>
+                <a:spcPts val="800"/>
+              </a:spcAft>
+              <a:defRPr sz="2000">
+                <a:solidFill>
+                  <a:srgbClr val="FFFFFF"/>
+                </a:solidFill>
+              </a:defRPr>
+            </a:pPr>
+            <a:r>
+              <a:t>Magnum: We will use OpenStack Magnum to build the cluster, so we don't have to manage the Master Nodes ourselves.</a:t>
             </a:r>
           </a:p>
         </p:txBody>
@@ -16290,7 +16404,7 @@
               </a:defRPr>
             </a:pPr>
             <a:r>
-              <a:t>9. Additional Resources</a:t>
+              <a:t>8. Summary</a:t>
             </a:r>
           </a:p>
         </p:txBody>
@@ -16375,7 +16489,7 @@
               </a:defRPr>
             </a:pPr>
             <a:r>
-              <a:t>1.1. The Foundation: Namespaces and Control Groups (Part 2)</a:t>
+              <a:t>1.1. The Foundation: Namespaces and Control Groups (Part 1)</a:t>
             </a:r>
           </a:p>
         </p:txBody>
@@ -16416,7 +16530,7 @@
               </a:defRPr>
             </a:pPr>
             <a:r>
-              <a:t>The Network Namespace isolates network configuration completely.</a:t>
+              <a:t>Linux namespaces provide the fundamental isolation mechanism enabling containers.</a:t>
             </a:r>
           </a:p>
           <a:p>
@@ -16434,7 +16548,7 @@
               </a:defRPr>
             </a:pPr>
             <a:r>
-              <a:t>Each network namespace has its own network interfaces, IP addresses, routing tables, and firewall rules.</a:t>
+              <a:t>Each namespace type isolates a different aspect of the system.</a:t>
             </a:r>
           </a:p>
           <a:p>
@@ -16452,7 +16566,7 @@
               </a:defRPr>
             </a:pPr>
             <a:r>
-              <a:t>This enables functionality that would otherwise conflict, such as multiple containers binding to port 80 on the same physical host.</a:t>
+              <a:t>The PID (Process ID) Namespace isolates the process tree.</a:t>
             </a:r>
           </a:p>
           <a:p>
@@ -16470,7 +16584,7 @@
               </a:defRPr>
             </a:pPr>
             <a:r>
-              <a:t>The Mount Namespace controls filesystem visibility, giving each container its own root filesystem (rootfs) that appears as the top of the directory tree.</a:t>
+              <a:t>On a normal Linux system, all processes share a single process ID space.</a:t>
             </a:r>
           </a:p>
           <a:p>
@@ -16488,7 +16602,7 @@
               </a:defRPr>
             </a:pPr>
             <a:r>
-              <a:t>While namespaces provide isolation, they do not inherently limit resource consumption.</a:t>
+              <a:t>With PID namespaces, each namespace has its own isolated process tree.</a:t>
             </a:r>
           </a:p>
         </p:txBody>
@@ -16507,7 +16621,7 @@
     <p:bg>
       <p:bgPr>
         <a:solidFill>
-          <a:srgbClr val="142A46"/>
+          <a:srgbClr val="1E3A5F"/>
         </a:solidFill>
         <a:effectLst/>
       </p:bgPr>
@@ -16551,43 +16665,8 @@
         </p:nvSpPr>
         <p:spPr>
           <a:xfrm>
-            <a:off x="457200" y="914400"/>
-            <a:ext cx="8229600" cy="640080"/>
-          </a:xfrm>
-          <a:prstGeom prst="rect">
-            <a:avLst/>
-          </a:prstGeom>
-          <a:noFill/>
-        </p:spPr>
-        <p:txBody>
-          <a:bodyPr wrap="none">
-            <a:spAutoFit/>
-          </a:bodyPr>
-          <a:lstStyle/>
-          <a:p>
-            <a:pPr>
-              <a:defRPr sz="3200" b="1">
-                <a:solidFill>
-                  <a:srgbClr val="C9984A"/>
-                </a:solidFill>
-              </a:defRPr>
-            </a:pPr>
-            <a:r>
-              <a:t>9.1. Video Tutorials</a:t>
-            </a:r>
-          </a:p>
-        </p:txBody>
-      </p:sp>
-      <p:sp>
-        <p:nvSpPr>
-          <p:cNvPr id="4" name="TextBox 3"/>
-          <p:cNvSpPr txBox="1"/>
-          <p:nvPr/>
-        </p:nvSpPr>
-        <p:spPr>
-          <a:xfrm>
-            <a:off x="731520" y="1737360"/>
-            <a:ext cx="7680960" cy="4389120"/>
+            <a:off x="914400" y="2286000"/>
+            <a:ext cx="7315200" cy="1828800"/>
           </a:xfrm>
           <a:prstGeom prst="rect">
             <a:avLst/>
@@ -16600,57 +16679,15 @@
           </a:bodyPr>
           <a:lstStyle/>
           <a:p>
-            <a:pPr>
-              <a:spcBef>
-                <a:spcPts val="800"/>
-              </a:spcBef>
-              <a:spcAft>
-                <a:spcPts val="800"/>
-              </a:spcAft>
-              <a:defRPr sz="2000">
-                <a:solidFill>
-                  <a:srgbClr val="FFFFFF"/>
-                </a:solidFill>
-              </a:defRPr>
-            </a:pPr>
-            <a:r>
-              <a:t>LXC in Proxmox: YouTube (Compares to VMs, setup guide).</a:t>
-            </a:r>
-          </a:p>
-          <a:p>
-            <a:pPr>
-              <a:spcBef>
-                <a:spcPts val="800"/>
-              </a:spcBef>
-              <a:spcAft>
-                <a:spcPts val="800"/>
-              </a:spcAft>
-              <a:defRPr sz="2000">
-                <a:solidFill>
-                  <a:srgbClr val="FFFFFF"/>
-                </a:solidFill>
-              </a:defRPr>
-            </a:pPr>
-            <a:r>
-              <a:t>Docker vs. Podman: YouTube (Explains differences, cloud use cases).</a:t>
-            </a:r>
-          </a:p>
-          <a:p>
-            <a:pPr>
-              <a:spcBef>
-                <a:spcPts val="800"/>
-              </a:spcBef>
-              <a:spcAft>
-                <a:spcPts val="800"/>
-              </a:spcAft>
-              <a:defRPr sz="2000">
-                <a:solidFill>
-                  <a:srgbClr val="FFFFFF"/>
-                </a:solidFill>
-              </a:defRPr>
-            </a:pPr>
-            <a:r>
-              <a:t>Docker Basics: YouTube (Beginner guide to Docker containers).</a:t>
+            <a:pPr algn="ctr">
+              <a:defRPr sz="4800" b="1">
+                <a:solidFill>
+                  <a:srgbClr val="C9984A"/>
+                </a:solidFill>
+              </a:defRPr>
+            </a:pPr>
+            <a:r>
+              <a:t>9. Additional Resources</a:t>
             </a:r>
           </a:p>
         </p:txBody>
@@ -16735,7 +16772,7 @@
               </a:defRPr>
             </a:pPr>
             <a:r>
-              <a:t>9.2. Documentation &amp; Further Reading</a:t>
+              <a:t>9.1. Video Tutorials</a:t>
             </a:r>
           </a:p>
         </p:txBody>
@@ -16776,7 +16813,7 @@
               </a:defRPr>
             </a:pPr>
             <a:r>
-              <a:t>Proxmox LXC Documentation</a:t>
+              <a:t>LXC in Proxmox: YouTube (Compares to VMs, setup guide).</a:t>
             </a:r>
           </a:p>
           <a:p>
@@ -16794,7 +16831,7 @@
               </a:defRPr>
             </a:pPr>
             <a:r>
-              <a:t>Docker Documentation</a:t>
+              <a:t>Docker vs. Podman: YouTube (Explains differences, cloud use cases).</a:t>
             </a:r>
           </a:p>
           <a:p>
@@ -16812,25 +16849,7 @@
               </a:defRPr>
             </a:pPr>
             <a:r>
-              <a:t>Podman Documentation</a:t>
-            </a:r>
-          </a:p>
-          <a:p>
-            <a:pPr>
-              <a:spcBef>
-                <a:spcPts val="800"/>
-              </a:spcBef>
-              <a:spcAft>
-                <a:spcPts val="800"/>
-              </a:spcAft>
-              <a:defRPr sz="2000">
-                <a:solidFill>
-                  <a:srgbClr val="FFFFFF"/>
-                </a:solidFill>
-              </a:defRPr>
-            </a:pPr>
-            <a:r>
-              <a:t>OpenStack Zun</a:t>
+              <a:t>Docker Basics: YouTube (Beginner guide to Docker containers).</a:t>
             </a:r>
           </a:p>
         </p:txBody>
@@ -16849,7 +16868,7 @@
     <p:bg>
       <p:bgPr>
         <a:solidFill>
-          <a:srgbClr val="1E3A5F"/>
+          <a:srgbClr val="142A46"/>
         </a:solidFill>
         <a:effectLst/>
       </p:bgPr>
@@ -16893,8 +16912,43 @@
         </p:nvSpPr>
         <p:spPr>
           <a:xfrm>
-            <a:off x="914400" y="2286000"/>
-            <a:ext cx="7315200" cy="1828800"/>
+            <a:off x="457200" y="914400"/>
+            <a:ext cx="8229600" cy="640080"/>
+          </a:xfrm>
+          <a:prstGeom prst="rect">
+            <a:avLst/>
+          </a:prstGeom>
+          <a:noFill/>
+        </p:spPr>
+        <p:txBody>
+          <a:bodyPr wrap="none">
+            <a:spAutoFit/>
+          </a:bodyPr>
+          <a:lstStyle/>
+          <a:p>
+            <a:pPr>
+              <a:defRPr sz="3200" b="1">
+                <a:solidFill>
+                  <a:srgbClr val="C9984A"/>
+                </a:solidFill>
+              </a:defRPr>
+            </a:pPr>
+            <a:r>
+              <a:t>9.2. Documentation &amp; Further Reading</a:t>
+            </a:r>
+          </a:p>
+        </p:txBody>
+      </p:sp>
+      <p:sp>
+        <p:nvSpPr>
+          <p:cNvPr id="4" name="TextBox 3"/>
+          <p:cNvSpPr txBox="1"/>
+          <p:nvPr/>
+        </p:nvSpPr>
+        <p:spPr>
+          <a:xfrm>
+            <a:off x="731520" y="1737360"/>
+            <a:ext cx="7680960" cy="4389120"/>
           </a:xfrm>
           <a:prstGeom prst="rect">
             <a:avLst/>
@@ -16907,15 +16961,75 @@
           </a:bodyPr>
           <a:lstStyle/>
           <a:p>
-            <a:pPr algn="ctr">
-              <a:defRPr sz="4800" b="1">
-                <a:solidFill>
-                  <a:srgbClr val="C9984A"/>
-                </a:solidFill>
-              </a:defRPr>
-            </a:pPr>
-            <a:r>
-              <a:t>10. Lab Exercises</a:t>
+            <a:pPr>
+              <a:spcBef>
+                <a:spcPts val="800"/>
+              </a:spcBef>
+              <a:spcAft>
+                <a:spcPts val="800"/>
+              </a:spcAft>
+              <a:defRPr sz="2000">
+                <a:solidFill>
+                  <a:srgbClr val="FFFFFF"/>
+                </a:solidFill>
+              </a:defRPr>
+            </a:pPr>
+            <a:r>
+              <a:t>Proxmox LXC Documentation</a:t>
+            </a:r>
+          </a:p>
+          <a:p>
+            <a:pPr>
+              <a:spcBef>
+                <a:spcPts val="800"/>
+              </a:spcBef>
+              <a:spcAft>
+                <a:spcPts val="800"/>
+              </a:spcAft>
+              <a:defRPr sz="2000">
+                <a:solidFill>
+                  <a:srgbClr val="FFFFFF"/>
+                </a:solidFill>
+              </a:defRPr>
+            </a:pPr>
+            <a:r>
+              <a:t>Docker Documentation</a:t>
+            </a:r>
+          </a:p>
+          <a:p>
+            <a:pPr>
+              <a:spcBef>
+                <a:spcPts val="800"/>
+              </a:spcBef>
+              <a:spcAft>
+                <a:spcPts val="800"/>
+              </a:spcAft>
+              <a:defRPr sz="2000">
+                <a:solidFill>
+                  <a:srgbClr val="FFFFFF"/>
+                </a:solidFill>
+              </a:defRPr>
+            </a:pPr>
+            <a:r>
+              <a:t>Podman Documentation</a:t>
+            </a:r>
+          </a:p>
+          <a:p>
+            <a:pPr>
+              <a:spcBef>
+                <a:spcPts val="800"/>
+              </a:spcBef>
+              <a:spcAft>
+                <a:spcPts val="800"/>
+              </a:spcAft>
+              <a:defRPr sz="2000">
+                <a:solidFill>
+                  <a:srgbClr val="FFFFFF"/>
+                </a:solidFill>
+              </a:defRPr>
+            </a:pPr>
+            <a:r>
+              <a:t>OpenStack Zun</a:t>
             </a:r>
           </a:p>
         </p:txBody>
@@ -17000,6 +17114,91 @@
               </a:defRPr>
             </a:pPr>
             <a:r>
+              <a:t>10. Lab Exercises</a:t>
+            </a:r>
+          </a:p>
+        </p:txBody>
+      </p:sp>
+    </p:spTree>
+  </p:cSld>
+  <p:clrMapOvr>
+    <a:masterClrMapping/>
+  </p:clrMapOvr>
+</p:sld>
+</file>
+
+<file path=ppt/slides/slide64.xml><?xml version="1.0" encoding="utf-8"?>
+<p:sld xmlns:a="http://schemas.openxmlformats.org/drawingml/2006/main" xmlns:p="http://schemas.openxmlformats.org/presentationml/2006/main" xmlns:r="http://schemas.openxmlformats.org/officeDocument/2006/relationships">
+  <p:cSld>
+    <p:bg>
+      <p:bgPr>
+        <a:solidFill>
+          <a:srgbClr val="1E3A5F"/>
+        </a:solidFill>
+        <a:effectLst/>
+      </p:bgPr>
+    </p:bg>
+    <p:spTree>
+      <p:nvGrpSpPr>
+        <p:cNvPr id="1" name=""/>
+        <p:cNvGrpSpPr/>
+        <p:nvPr/>
+      </p:nvGrpSpPr>
+      <p:grpSpPr/>
+      <p:pic>
+        <p:nvPicPr>
+          <p:cNvPr id="2" name="Picture 1" descr="ops3_logo.png"/>
+          <p:cNvPicPr>
+            <a:picLocks noChangeAspect="1"/>
+          </p:cNvPicPr>
+          <p:nvPr/>
+        </p:nvPicPr>
+        <p:blipFill>
+          <a:blip r:embed="rId2"/>
+          <a:stretch>
+            <a:fillRect/>
+          </a:stretch>
+        </p:blipFill>
+        <p:spPr>
+          <a:xfrm>
+            <a:off x="274320" y="274320"/>
+            <a:ext cx="581649" cy="548640"/>
+          </a:xfrm>
+          <a:prstGeom prst="rect">
+            <a:avLst/>
+          </a:prstGeom>
+        </p:spPr>
+      </p:pic>
+      <p:sp>
+        <p:nvSpPr>
+          <p:cNvPr id="3" name="TextBox 2"/>
+          <p:cNvSpPr txBox="1"/>
+          <p:nvPr/>
+        </p:nvSpPr>
+        <p:spPr>
+          <a:xfrm>
+            <a:off x="914400" y="2286000"/>
+            <a:ext cx="7315200" cy="1828800"/>
+          </a:xfrm>
+          <a:prstGeom prst="rect">
+            <a:avLst/>
+          </a:prstGeom>
+          <a:noFill/>
+        </p:spPr>
+        <p:txBody>
+          <a:bodyPr wrap="square">
+            <a:spAutoFit/>
+          </a:bodyPr>
+          <a:lstStyle/>
+          <a:p>
+            <a:pPr algn="ctr">
+              <a:defRPr sz="4800" b="1">
+                <a:solidFill>
+                  <a:srgbClr val="C9984A"/>
+                </a:solidFill>
+              </a:defRPr>
+            </a:pPr>
+            <a:r>
               <a:t>Summary</a:t>
             </a:r>
           </a:p>
@@ -17085,7 +17284,7 @@
               </a:defRPr>
             </a:pPr>
             <a:r>
-              <a:t>1.1. The Foundation: Namespaces and Control Groups (Part 3)</a:t>
+              <a:t>1.1. The Foundation: Namespaces and Control Groups (Part 2)</a:t>
             </a:r>
           </a:p>
         </p:txBody>
@@ -17126,7 +17325,7 @@
               </a:defRPr>
             </a:pPr>
             <a:r>
-              <a:t>Without additional mechanisms, a process in a container could consume all available CPU time or memory.</a:t>
+              <a:t>The Network Namespace isolates network configuration completely.</a:t>
             </a:r>
           </a:p>
           <a:p>
@@ -17144,7 +17343,7 @@
               </a:defRPr>
             </a:pPr>
             <a:r>
-              <a:t>Control Groups (cgroups) solve this problem by providing resource limiting, accounting, and prioritization.</a:t>
+              <a:t>Each network namespace has its own network interfaces, IP addresses, routing tables, and firewall rules.</a:t>
             </a:r>
           </a:p>
           <a:p>
@@ -17162,7 +17361,43 @@
               </a:defRPr>
             </a:pPr>
             <a:r>
-              <a:t>Understanding cgroups is essential because they form the foundation of resource management in all modern container platforms, from Docker to Kubernetes.</a:t>
+              <a:t>This enables functionality that would otherwise conflict, such as multiple containers binding to port 80 on the same physical host.</a:t>
+            </a:r>
+          </a:p>
+          <a:p>
+            <a:pPr>
+              <a:spcBef>
+                <a:spcPts val="800"/>
+              </a:spcBef>
+              <a:spcAft>
+                <a:spcPts val="800"/>
+              </a:spcAft>
+              <a:defRPr sz="2000">
+                <a:solidFill>
+                  <a:srgbClr val="FFFFFF"/>
+                </a:solidFill>
+              </a:defRPr>
+            </a:pPr>
+            <a:r>
+              <a:t>The Mount Namespace controls filesystem visibility, giving each container its own root filesystem (rootfs) that appears as the top of the directory tree.</a:t>
+            </a:r>
+          </a:p>
+          <a:p>
+            <a:pPr>
+              <a:spcBef>
+                <a:spcPts val="800"/>
+              </a:spcBef>
+              <a:spcAft>
+                <a:spcPts val="800"/>
+              </a:spcAft>
+              <a:defRPr sz="2000">
+                <a:solidFill>
+                  <a:srgbClr val="FFFFFF"/>
+                </a:solidFill>
+              </a:defRPr>
+            </a:pPr>
+            <a:r>
+              <a:t>While namespaces provide isolation, they do not inherently limit resource consumption.</a:t>
             </a:r>
           </a:p>
         </p:txBody>
@@ -17247,7 +17482,7 @@
               </a:defRPr>
             </a:pPr>
             <a:r>
-              <a:t>1.2. Understanding Control Groups in Depth</a:t>
+              <a:t>1.1. The Foundation: Namespaces and Control Groups (Part 3)</a:t>
             </a:r>
           </a:p>
         </p:txBody>
@@ -17288,7 +17523,7 @@
               </a:defRPr>
             </a:pPr>
             <a:r>
-              <a:t>Control Groups, commonly abbreviated as cgroups, are a Linux kernel feature that organizes processes into hierarchical groups and applies resource constraints to those groups.</a:t>
+              <a:t>Without additional mechanisms, a process in a container could consume all available CPU time or memory.</a:t>
             </a:r>
           </a:p>
           <a:p>
@@ -17306,7 +17541,7 @@
               </a:defRPr>
             </a:pPr>
             <a:r>
-              <a:t>Think of cgroups as the traffic police of the Linux system: while namespaces create separate lanes of traffic (isolation), cgroups enforce speed limits and allocate road capacity (resource limits).</a:t>
+              <a:t>Control Groups (cgroups) solve this problem by providing resource limiting, accounting, and prioritization.</a:t>
             </a:r>
           </a:p>
           <a:p>
@@ -17324,43 +17559,7 @@
               </a:defRPr>
             </a:pPr>
             <a:r>
-              <a:t>When you create a container and specify that it can use "2 CPU cores" and "1GB of RAM," these limits are enforced through cgroups.</a:t>
-            </a:r>
-          </a:p>
-          <a:p>
-            <a:pPr>
-              <a:spcBef>
-                <a:spcPts val="800"/>
-              </a:spcBef>
-              <a:spcAft>
-                <a:spcPts val="800"/>
-              </a:spcAft>
-              <a:defRPr sz="2000">
-                <a:solidFill>
-                  <a:srgbClr val="FFFFFF"/>
-                </a:solidFill>
-              </a:defRPr>
-            </a:pPr>
-            <a:r>
-              <a:t>The container runtime creates a cgroup for that container and configures the appropriate resource controllers.</a:t>
-            </a:r>
-          </a:p>
-          <a:p>
-            <a:pPr>
-              <a:spcBef>
-                <a:spcPts val="800"/>
-              </a:spcBef>
-              <a:spcAft>
-                <a:spcPts val="800"/>
-              </a:spcAft>
-              <a:defRPr sz="2000">
-                <a:solidFill>
-                  <a:srgbClr val="FFFFFF"/>
-                </a:solidFill>
-              </a:defRPr>
-            </a:pPr>
-            <a:r>
-              <a:t>If the containerized application tries to exceed these limits, the kernel's cgroup subsystem intervenes to enforce the constraints.</a:t>
+              <a:t>Understanding cgroups is essential because they form the foundation of resource management in all modern container platforms, from Docker to Kubernetes.</a:t>
             </a:r>
           </a:p>
         </p:txBody>
@@ -17445,7 +17644,7 @@
               </a:defRPr>
             </a:pPr>
             <a:r>
-              <a:t>1.3. The cgroup Hierarchy</a:t>
+              <a:t>1.2. Understanding Control Groups in Depth</a:t>
             </a:r>
           </a:p>
         </p:txBody>
@@ -17486,7 +17685,7 @@
               </a:defRPr>
             </a:pPr>
             <a:r>
-              <a:t>Cgroups are organized in a tree-like hierarchy, similar to how processes form a process tree.</a:t>
+              <a:t>Control Groups, commonly abbreviated as cgroups, are a Linux kernel feature that organizes processes into hierarchical groups and applies resource constraints to those groups.</a:t>
             </a:r>
           </a:p>
           <a:p>
@@ -17504,7 +17703,7 @@
               </a:defRPr>
             </a:pPr>
             <a:r>
-              <a:t>Each cgroup can have child cgroups, and resource limits applied to a parent cgroup affect all its children.</a:t>
+              <a:t>Think of cgroups as the traffic police of the Linux system: while namespaces create separate lanes of traffic (isolation), cgroups enforce speed limits and allocate road capacity (resource limits).</a:t>
             </a:r>
           </a:p>
           <a:p>
@@ -17522,7 +17721,7 @@
               </a:defRPr>
             </a:pPr>
             <a:r>
-              <a:t>This hierarchical structure enables sophisticated resource allocation strategies.</a:t>
+              <a:t>When you create a container and specify that it can use "2 CPU cores" and "1GB of RAM," these limits are enforced through cgroups.</a:t>
             </a:r>
           </a:p>
           <a:p>
@@ -17540,7 +17739,25 @@
               </a:defRPr>
             </a:pPr>
             <a:r>
-              <a:t>For example, you might create a parent cgroup allocating 50% of CPU to "production workloads" and 50% to "development workloads," then subdivide those allocations further among individual containers.</a:t>
+              <a:t>The container runtime creates a cgroup for that container and configures the appropriate resource controllers.</a:t>
+            </a:r>
+          </a:p>
+          <a:p>
+            <a:pPr>
+              <a:spcBef>
+                <a:spcPts val="800"/>
+              </a:spcBef>
+              <a:spcAft>
+                <a:spcPts val="800"/>
+              </a:spcAft>
+              <a:defRPr sz="2000">
+                <a:solidFill>
+                  <a:srgbClr val="FFFFFF"/>
+                </a:solidFill>
+              </a:defRPr>
+            </a:pPr>
+            <a:r>
+              <a:t>If the containerized application tries to exceed these limits, the kernel's cgroup subsystem intervenes to enforce the constraints.</a:t>
             </a:r>
           </a:p>
         </p:txBody>
